--- a/src/dsmmtransform/PPTX_templates_origin/Star_rating_template.pptx
+++ b/src/dsmmtransform/PPTX_templates_origin/Star_rating_template.pptx
@@ -199,7 +199,7 @@
             <a:fld id="{02B28B58-969D-4F10-8ED8-D281B4CE078A}" type="datetimeFigureOut">
               <a:rPr lang="en-US" smtClean="0"/>
               <a:pPr/>
-              <a:t>6/23/2016</a:t>
+              <a:t>12/19/2016</a:t>
             </a:fld>
             <a:endParaRPr lang="en-US" dirty="0"/>
           </a:p>
@@ -465,7 +465,7 @@
             <a:fld id="{4BAD7004-EABF-4BF5-B279-A0BFB6B52283}" type="datetimeFigureOut">
               <a:rPr lang="en-US" smtClean="0"/>
               <a:pPr/>
-              <a:t>6/23/2016</a:t>
+              <a:t>12/19/2016</a:t>
             </a:fld>
             <a:endParaRPr lang="en-US" dirty="0"/>
           </a:p>
@@ -637,7 +637,7 @@
             <a:fld id="{4BAD7004-EABF-4BF5-B279-A0BFB6B52283}" type="datetimeFigureOut">
               <a:rPr lang="en-US" smtClean="0"/>
               <a:pPr/>
-              <a:t>6/23/2016</a:t>
+              <a:t>12/19/2016</a:t>
             </a:fld>
             <a:endParaRPr lang="en-US" dirty="0"/>
           </a:p>
@@ -819,7 +819,7 @@
             <a:fld id="{4BAD7004-EABF-4BF5-B279-A0BFB6B52283}" type="datetimeFigureOut">
               <a:rPr lang="en-US" smtClean="0"/>
               <a:pPr/>
-              <a:t>6/23/2016</a:t>
+              <a:t>12/19/2016</a:t>
             </a:fld>
             <a:endParaRPr lang="en-US" dirty="0"/>
           </a:p>
@@ -991,7 +991,7 @@
             <a:fld id="{4BAD7004-EABF-4BF5-B279-A0BFB6B52283}" type="datetimeFigureOut">
               <a:rPr lang="en-US" smtClean="0"/>
               <a:pPr/>
-              <a:t>6/23/2016</a:t>
+              <a:t>12/19/2016</a:t>
             </a:fld>
             <a:endParaRPr lang="en-US" dirty="0"/>
           </a:p>
@@ -1239,7 +1239,7 @@
             <a:fld id="{4BAD7004-EABF-4BF5-B279-A0BFB6B52283}" type="datetimeFigureOut">
               <a:rPr lang="en-US" smtClean="0"/>
               <a:pPr/>
-              <a:t>6/23/2016</a:t>
+              <a:t>12/19/2016</a:t>
             </a:fld>
             <a:endParaRPr lang="en-US" dirty="0"/>
           </a:p>
@@ -1529,7 +1529,7 @@
             <a:fld id="{4BAD7004-EABF-4BF5-B279-A0BFB6B52283}" type="datetimeFigureOut">
               <a:rPr lang="en-US" smtClean="0"/>
               <a:pPr/>
-              <a:t>6/23/2016</a:t>
+              <a:t>12/19/2016</a:t>
             </a:fld>
             <a:endParaRPr lang="en-US" dirty="0"/>
           </a:p>
@@ -1953,7 +1953,7 @@
             <a:fld id="{4BAD7004-EABF-4BF5-B279-A0BFB6B52283}" type="datetimeFigureOut">
               <a:rPr lang="en-US" smtClean="0"/>
               <a:pPr/>
-              <a:t>6/23/2016</a:t>
+              <a:t>12/19/2016</a:t>
             </a:fld>
             <a:endParaRPr lang="en-US" dirty="0"/>
           </a:p>
@@ -2073,7 +2073,7 @@
             <a:fld id="{4BAD7004-EABF-4BF5-B279-A0BFB6B52283}" type="datetimeFigureOut">
               <a:rPr lang="en-US" smtClean="0"/>
               <a:pPr/>
-              <a:t>6/23/2016</a:t>
+              <a:t>12/19/2016</a:t>
             </a:fld>
             <a:endParaRPr lang="en-US" dirty="0"/>
           </a:p>
@@ -2170,7 +2170,7 @@
             <a:fld id="{4BAD7004-EABF-4BF5-B279-A0BFB6B52283}" type="datetimeFigureOut">
               <a:rPr lang="en-US" smtClean="0"/>
               <a:pPr/>
-              <a:t>6/23/2016</a:t>
+              <a:t>12/19/2016</a:t>
             </a:fld>
             <a:endParaRPr lang="en-US" dirty="0"/>
           </a:p>
@@ -2449,7 +2449,7 @@
             <a:fld id="{4BAD7004-EABF-4BF5-B279-A0BFB6B52283}" type="datetimeFigureOut">
               <a:rPr lang="en-US" smtClean="0"/>
               <a:pPr/>
-              <a:t>6/23/2016</a:t>
+              <a:t>12/19/2016</a:t>
             </a:fld>
             <a:endParaRPr lang="en-US" dirty="0"/>
           </a:p>
@@ -2704,7 +2704,7 @@
             <a:fld id="{4BAD7004-EABF-4BF5-B279-A0BFB6B52283}" type="datetimeFigureOut">
               <a:rPr lang="en-US" smtClean="0"/>
               <a:pPr/>
-              <a:t>6/23/2016</a:t>
+              <a:t>12/19/2016</a:t>
             </a:fld>
             <a:endParaRPr lang="en-US" dirty="0"/>
           </a:p>
@@ -2919,7 +2919,7 @@
             <a:fld id="{4BAD7004-EABF-4BF5-B279-A0BFB6B52283}" type="datetimeFigureOut">
               <a:rPr lang="en-US" smtClean="0"/>
               <a:pPr/>
-              <a:t>6/23/2016</a:t>
+              <a:t>12/19/2016</a:t>
             </a:fld>
             <a:endParaRPr lang="en-US" dirty="0"/>
           </a:p>
@@ -3304,14 +3304,14 @@
           <p:nvPr>
             <p:extLst>
               <p:ext uri="{D42A27DB-BD31-4B8C-83A1-F6EECF244321}">
-                <p14:modId xmlns:p14="http://schemas.microsoft.com/office/powerpoint/2010/main" val="1400213600"/>
+                <p14:modId xmlns:p14="http://schemas.microsoft.com/office/powerpoint/2010/main" val="4175276799"/>
               </p:ext>
             </p:extLst>
           </p:nvPr>
         </p:nvGraphicFramePr>
         <p:xfrm>
           <a:off x="3276600" y="1524003"/>
-          <a:ext cx="9190893" cy="5867397"/>
+          <a:ext cx="9190893" cy="6172173"/>
         </p:xfrm>
         <a:graphic>
           <a:graphicData uri="http://schemas.openxmlformats.org/drawingml/2006/table">
@@ -3637,7 +3637,7 @@
                   </a:tcPr>
                 </a:tc>
               </a:tr>
-              <a:tr h="609600">
+              <a:tr h="685797">
                 <a:tc>
                   <a:txBody>
                     <a:bodyPr/>
@@ -3848,7 +3848,7 @@
                     <a:bodyPr/>
                     <a:lstStyle/>
                     <a:p>
-                      <a:endParaRPr lang="en-US"/>
+                      <a:endParaRPr lang="en-US" dirty="0"/>
                     </a:p>
                   </a:txBody>
                   <a:tcPr>
@@ -3944,7 +3944,7 @@
                   </a:tcPr>
                 </a:tc>
               </a:tr>
-              <a:tr h="609600">
+              <a:tr h="685797">
                 <a:tc>
                   <a:txBody>
                     <a:bodyPr/>
@@ -4155,117 +4155,10 @@
                     <a:bodyPr/>
                     <a:lstStyle/>
                     <a:p>
-                      <a:endParaRPr lang="en-US"/>
+                      <a:endParaRPr lang="en-US" dirty="0"/>
                     </a:p>
                   </a:txBody>
                   <a:tcPr>
-                    <a:lnL w="12700" cap="flat" cmpd="sng" algn="ctr">
-                      <a:noFill/>
-                      <a:prstDash val="solid"/>
-                      <a:round/>
-                      <a:headEnd type="none" w="med" len="med"/>
-                      <a:tailEnd type="none" w="med" len="med"/>
-                    </a:lnL>
-                    <a:lnR w="12700" cap="flat" cmpd="sng" algn="ctr">
-                      <a:noFill/>
-                      <a:prstDash val="solid"/>
-                      <a:round/>
-                      <a:headEnd type="none" w="med" len="med"/>
-                      <a:tailEnd type="none" w="med" len="med"/>
-                    </a:lnR>
-                    <a:lnT w="12700" cap="flat" cmpd="sng" algn="ctr">
-                      <a:noFill/>
-                      <a:prstDash val="solid"/>
-                      <a:round/>
-                      <a:headEnd type="none" w="med" len="med"/>
-                      <a:tailEnd type="none" w="med" len="med"/>
-                    </a:lnT>
-                    <a:lnB w="12700" cap="flat" cmpd="sng" algn="ctr">
-                      <a:noFill/>
-                      <a:prstDash val="solid"/>
-                      <a:round/>
-                      <a:headEnd type="none" w="med" len="med"/>
-                      <a:tailEnd type="none" w="med" len="med"/>
-                    </a:lnB>
-                    <a:lnTlToBr w="12700" cmpd="sng">
-                      <a:noFill/>
-                      <a:prstDash val="solid"/>
-                    </a:lnTlToBr>
-                    <a:lnBlToTr w="12700" cmpd="sng">
-                      <a:noFill/>
-                      <a:prstDash val="solid"/>
-                    </a:lnBlToTr>
-                    <a:solidFill>
-                      <a:schemeClr val="bg1"/>
-                    </a:solidFill>
-                  </a:tcPr>
-                </a:tc>
-                <a:tc>
-                  <a:txBody>
-                    <a:bodyPr/>
-                    <a:lstStyle/>
-                    <a:p>
-                      <a:endParaRPr lang="en-US"/>
-                    </a:p>
-                  </a:txBody>
-                  <a:tcPr>
-                    <a:lnL w="12700" cap="flat" cmpd="sng" algn="ctr">
-                      <a:noFill/>
-                      <a:prstDash val="solid"/>
-                      <a:round/>
-                      <a:headEnd type="none" w="med" len="med"/>
-                      <a:tailEnd type="none" w="med" len="med"/>
-                    </a:lnL>
-                    <a:lnR w="12700" cap="flat" cmpd="sng" algn="ctr">
-                      <a:noFill/>
-                      <a:prstDash val="solid"/>
-                      <a:round/>
-                      <a:headEnd type="none" w="med" len="med"/>
-                      <a:tailEnd type="none" w="med" len="med"/>
-                    </a:lnR>
-                    <a:lnT w="12700" cap="flat" cmpd="sng" algn="ctr">
-                      <a:noFill/>
-                      <a:prstDash val="solid"/>
-                      <a:round/>
-                      <a:headEnd type="none" w="med" len="med"/>
-                      <a:tailEnd type="none" w="med" len="med"/>
-                    </a:lnT>
-                    <a:lnB w="12700" cap="flat" cmpd="sng" algn="ctr">
-                      <a:noFill/>
-                      <a:prstDash val="solid"/>
-                      <a:round/>
-                      <a:headEnd type="none" w="med" len="med"/>
-                      <a:tailEnd type="none" w="med" len="med"/>
-                    </a:lnB>
-                    <a:lnTlToBr w="12700" cmpd="sng">
-                      <a:noFill/>
-                      <a:prstDash val="solid"/>
-                    </a:lnTlToBr>
-                    <a:lnBlToTr w="12700" cmpd="sng">
-                      <a:noFill/>
-                      <a:prstDash val="solid"/>
-                    </a:lnBlToTr>
-                    <a:solidFill>
-                      <a:schemeClr val="bg1"/>
-                    </a:solidFill>
-                  </a:tcPr>
-                </a:tc>
-              </a:tr>
-              <a:tr h="685800">
-                <a:tc>
-                  <a:txBody>
-                    <a:bodyPr/>
-                    <a:lstStyle/>
-                    <a:p>
-                      <a:pPr algn="ctr"/>
-                      <a:r>
-                        <a:rPr lang="en-US" sz="2000" b="1" dirty="0" smtClean="0"/>
-                        <a:t>Production Sustainability</a:t>
-                      </a:r>
-                      <a:endParaRPr lang="en-US" sz="2000" b="1" dirty="0"/>
-                    </a:p>
-                  </a:txBody>
-                  <a:tcPr anchor="ctr">
                     <a:lnL w="12700" cap="flat" cmpd="sng" algn="ctr">
                       <a:noFill/>
                       <a:prstDash val="solid"/>
@@ -4357,15 +4250,22 @@
                     </a:solidFill>
                   </a:tcPr>
                 </a:tc>
+              </a:tr>
+              <a:tr h="685797">
                 <a:tc>
                   <a:txBody>
                     <a:bodyPr/>
                     <a:lstStyle/>
                     <a:p>
-                      <a:endParaRPr lang="en-US" dirty="0"/>
+                      <a:pPr algn="ctr"/>
+                      <a:r>
+                        <a:rPr lang="en-US" sz="2000" b="1" dirty="0" smtClean="0"/>
+                        <a:t>Production Sustainability</a:t>
+                      </a:r>
+                      <a:endParaRPr lang="en-US" sz="2000" b="1" dirty="0"/>
                     </a:p>
                   </a:txBody>
-                  <a:tcPr>
+                  <a:tcPr anchor="ctr">
                     <a:lnL w="12700" cap="flat" cmpd="sng" algn="ctr">
                       <a:noFill/>
                       <a:prstDash val="solid"/>
@@ -4512,71 +4412,10 @@
                     <a:bodyPr/>
                     <a:lstStyle/>
                     <a:p>
-                      <a:endParaRPr lang="en-US"/>
+                      <a:endParaRPr lang="en-US" dirty="0"/>
                     </a:p>
                   </a:txBody>
                   <a:tcPr>
-                    <a:lnL w="12700" cap="flat" cmpd="sng" algn="ctr">
-                      <a:noFill/>
-                      <a:prstDash val="solid"/>
-                      <a:round/>
-                      <a:headEnd type="none" w="med" len="med"/>
-                      <a:tailEnd type="none" w="med" len="med"/>
-                    </a:lnL>
-                    <a:lnR w="12700" cap="flat" cmpd="sng" algn="ctr">
-                      <a:noFill/>
-                      <a:prstDash val="solid"/>
-                      <a:round/>
-                      <a:headEnd type="none" w="med" len="med"/>
-                      <a:tailEnd type="none" w="med" len="med"/>
-                    </a:lnR>
-                    <a:lnT w="12700" cap="flat" cmpd="sng" algn="ctr">
-                      <a:noFill/>
-                      <a:prstDash val="solid"/>
-                      <a:round/>
-                      <a:headEnd type="none" w="med" len="med"/>
-                      <a:tailEnd type="none" w="med" len="med"/>
-                    </a:lnT>
-                    <a:lnB w="12700" cap="flat" cmpd="sng" algn="ctr">
-                      <a:noFill/>
-                      <a:prstDash val="solid"/>
-                      <a:round/>
-                      <a:headEnd type="none" w="med" len="med"/>
-                      <a:tailEnd type="none" w="med" len="med"/>
-                    </a:lnB>
-                    <a:lnTlToBr w="12700" cmpd="sng">
-                      <a:noFill/>
-                      <a:prstDash val="solid"/>
-                    </a:lnTlToBr>
-                    <a:lnBlToTr w="12700" cmpd="sng">
-                      <a:noFill/>
-                      <a:prstDash val="solid"/>
-                    </a:lnBlToTr>
-                    <a:solidFill>
-                      <a:schemeClr val="bg1"/>
-                    </a:solidFill>
-                  </a:tcPr>
-                </a:tc>
-              </a:tr>
-              <a:tr h="685800">
-                <a:tc>
-                  <a:txBody>
-                    <a:bodyPr/>
-                    <a:lstStyle/>
-                    <a:p>
-                      <a:pPr algn="ctr"/>
-                      <a:r>
-                        <a:rPr lang="en-US" sz="2000" b="1" dirty="0" smtClean="0"/>
-                        <a:t>Data</a:t>
-                      </a:r>
-                      <a:r>
-                        <a:rPr lang="en-US" sz="2000" b="1" baseline="0" dirty="0" smtClean="0"/>
-                        <a:t> Quality Assurance</a:t>
-                      </a:r>
-                      <a:endParaRPr lang="en-US" sz="2000" b="1" dirty="0"/>
-                    </a:p>
-                  </a:txBody>
-                  <a:tcPr anchor="ctr">
                     <a:lnL w="12700" cap="flat" cmpd="sng" algn="ctr">
                       <a:noFill/>
                       <a:prstDash val="solid"/>
@@ -4718,15 +4557,22 @@
                     </a:solidFill>
                   </a:tcPr>
                 </a:tc>
+              </a:tr>
+              <a:tr h="685797">
                 <a:tc>
                   <a:txBody>
                     <a:bodyPr/>
                     <a:lstStyle/>
                     <a:p>
-                      <a:endParaRPr lang="en-US" dirty="0"/>
+                      <a:pPr algn="ctr"/>
+                      <a:r>
+                        <a:rPr lang="en-US" sz="2000" b="1" dirty="0" smtClean="0"/>
+                        <a:t>Data Quality Assurance</a:t>
+                      </a:r>
+                      <a:endParaRPr lang="en-US" sz="2000" b="1" dirty="0"/>
                     </a:p>
                   </a:txBody>
-                  <a:tcPr>
+                  <a:tcPr anchor="ctr">
                     <a:lnL w="12700" cap="flat" cmpd="sng" algn="ctr">
                       <a:noFill/>
                       <a:prstDash val="solid"/>
@@ -4823,67 +4669,10 @@
                     <a:bodyPr/>
                     <a:lstStyle/>
                     <a:p>
-                      <a:endParaRPr lang="en-US"/>
+                      <a:endParaRPr lang="en-US" dirty="0"/>
                     </a:p>
                   </a:txBody>
                   <a:tcPr>
-                    <a:lnL w="12700" cap="flat" cmpd="sng" algn="ctr">
-                      <a:noFill/>
-                      <a:prstDash val="solid"/>
-                      <a:round/>
-                      <a:headEnd type="none" w="med" len="med"/>
-                      <a:tailEnd type="none" w="med" len="med"/>
-                    </a:lnL>
-                    <a:lnR w="12700" cap="flat" cmpd="sng" algn="ctr">
-                      <a:noFill/>
-                      <a:prstDash val="solid"/>
-                      <a:round/>
-                      <a:headEnd type="none" w="med" len="med"/>
-                      <a:tailEnd type="none" w="med" len="med"/>
-                    </a:lnR>
-                    <a:lnT w="12700" cap="flat" cmpd="sng" algn="ctr">
-                      <a:noFill/>
-                      <a:prstDash val="solid"/>
-                      <a:round/>
-                      <a:headEnd type="none" w="med" len="med"/>
-                      <a:tailEnd type="none" w="med" len="med"/>
-                    </a:lnT>
-                    <a:lnB w="12700" cap="flat" cmpd="sng" algn="ctr">
-                      <a:noFill/>
-                      <a:prstDash val="solid"/>
-                      <a:round/>
-                      <a:headEnd type="none" w="med" len="med"/>
-                      <a:tailEnd type="none" w="med" len="med"/>
-                    </a:lnB>
-                    <a:lnTlToBr w="12700" cmpd="sng">
-                      <a:noFill/>
-                      <a:prstDash val="solid"/>
-                    </a:lnTlToBr>
-                    <a:lnBlToTr w="12700" cmpd="sng">
-                      <a:noFill/>
-                      <a:prstDash val="solid"/>
-                    </a:lnBlToTr>
-                    <a:solidFill>
-                      <a:schemeClr val="bg1"/>
-                    </a:solidFill>
-                  </a:tcPr>
-                </a:tc>
-              </a:tr>
-              <a:tr h="685800">
-                <a:tc>
-                  <a:txBody>
-                    <a:bodyPr/>
-                    <a:lstStyle/>
-                    <a:p>
-                      <a:pPr algn="ctr"/>
-                      <a:r>
-                        <a:rPr lang="en-US" sz="2000" b="1" dirty="0" smtClean="0"/>
-                        <a:t>Data Quality Control/Monitoring</a:t>
-                      </a:r>
-                      <a:endParaRPr lang="en-US" sz="2000" b="1" dirty="0"/>
-                    </a:p>
-                  </a:txBody>
-                  <a:tcPr anchor="ctr">
                     <a:lnL w="12700" cap="flat" cmpd="sng" algn="ctr">
                       <a:noFill/>
                       <a:prstDash val="solid"/>
@@ -5075,15 +4864,22 @@
                     </a:solidFill>
                   </a:tcPr>
                 </a:tc>
+              </a:tr>
+              <a:tr h="685797">
                 <a:tc>
                   <a:txBody>
                     <a:bodyPr/>
                     <a:lstStyle/>
                     <a:p>
-                      <a:endParaRPr lang="en-US" dirty="0"/>
+                      <a:pPr algn="ctr"/>
+                      <a:r>
+                        <a:rPr lang="en-US" sz="2000" b="1" dirty="0" smtClean="0"/>
+                        <a:t>Data Quality Control/Monitoring</a:t>
+                      </a:r>
+                      <a:endParaRPr lang="en-US" sz="2000" b="1" dirty="0"/>
                     </a:p>
                   </a:txBody>
-                  <a:tcPr>
+                  <a:tcPr anchor="ctr">
                     <a:lnL w="12700" cap="flat" cmpd="sng" algn="ctr">
                       <a:noFill/>
                       <a:prstDash val="solid"/>
@@ -5175,22 +4971,15 @@
                     </a:solidFill>
                   </a:tcPr>
                 </a:tc>
-              </a:tr>
-              <a:tr h="685800">
                 <a:tc>
                   <a:txBody>
                     <a:bodyPr/>
                     <a:lstStyle/>
                     <a:p>
-                      <a:pPr algn="ctr"/>
-                      <a:r>
-                        <a:rPr lang="en-US" sz="2000" b="1" dirty="0" smtClean="0"/>
-                        <a:t>Data Quality Assessment</a:t>
-                      </a:r>
-                      <a:endParaRPr lang="en-US" sz="2000" b="1" dirty="0"/>
+                      <a:endParaRPr lang="en-US" dirty="0"/>
                     </a:p>
                   </a:txBody>
-                  <a:tcPr anchor="ctr">
+                  <a:tcPr>
                     <a:lnL w="12700" cap="flat" cmpd="sng" algn="ctr">
                       <a:noFill/>
                       <a:prstDash val="solid"/>
@@ -5382,15 +5171,22 @@
                     </a:solidFill>
                   </a:tcPr>
                 </a:tc>
+              </a:tr>
+              <a:tr h="685797">
                 <a:tc>
                   <a:txBody>
                     <a:bodyPr/>
                     <a:lstStyle/>
                     <a:p>
-                      <a:endParaRPr lang="en-US" dirty="0"/>
+                      <a:pPr algn="ctr"/>
+                      <a:r>
+                        <a:rPr lang="en-US" sz="2000" b="1" dirty="0" smtClean="0"/>
+                        <a:t>Data Quality Assessment</a:t>
+                      </a:r>
+                      <a:endParaRPr lang="en-US" sz="2000" b="1" dirty="0"/>
                     </a:p>
                   </a:txBody>
-                  <a:tcPr>
+                  <a:tcPr anchor="ctr">
                     <a:lnL w="12700" cap="flat" cmpd="sng" algn="ctr">
                       <a:noFill/>
                       <a:prstDash val="solid"/>
@@ -5482,69 +5278,12 @@
                     </a:solidFill>
                   </a:tcPr>
                 </a:tc>
-              </a:tr>
-              <a:tr h="609600">
                 <a:tc>
                   <a:txBody>
                     <a:bodyPr/>
                     <a:lstStyle/>
                     <a:p>
-                      <a:pPr algn="ctr"/>
-                      <a:r>
-                        <a:rPr lang="en-US" sz="2000" b="1" dirty="0" smtClean="0"/>
-                        <a:t>Transparency/Traceability</a:t>
-                      </a:r>
-                      <a:endParaRPr lang="en-US" sz="2000" b="1" dirty="0"/>
-                    </a:p>
-                  </a:txBody>
-                  <a:tcPr anchor="ctr">
-                    <a:lnL w="12700" cap="flat" cmpd="sng" algn="ctr">
-                      <a:noFill/>
-                      <a:prstDash val="solid"/>
-                      <a:round/>
-                      <a:headEnd type="none" w="med" len="med"/>
-                      <a:tailEnd type="none" w="med" len="med"/>
-                    </a:lnL>
-                    <a:lnR w="12700" cap="flat" cmpd="sng" algn="ctr">
-                      <a:noFill/>
-                      <a:prstDash val="solid"/>
-                      <a:round/>
-                      <a:headEnd type="none" w="med" len="med"/>
-                      <a:tailEnd type="none" w="med" len="med"/>
-                    </a:lnR>
-                    <a:lnT w="12700" cap="flat" cmpd="sng" algn="ctr">
-                      <a:noFill/>
-                      <a:prstDash val="solid"/>
-                      <a:round/>
-                      <a:headEnd type="none" w="med" len="med"/>
-                      <a:tailEnd type="none" w="med" len="med"/>
-                    </a:lnT>
-                    <a:lnB w="12700" cap="flat" cmpd="sng" algn="ctr">
-                      <a:noFill/>
-                      <a:prstDash val="solid"/>
-                      <a:round/>
-                      <a:headEnd type="none" w="med" len="med"/>
-                      <a:tailEnd type="none" w="med" len="med"/>
-                    </a:lnB>
-                    <a:lnTlToBr w="12700" cmpd="sng">
-                      <a:noFill/>
-                      <a:prstDash val="solid"/>
-                    </a:lnTlToBr>
-                    <a:lnBlToTr w="12700" cmpd="sng">
-                      <a:noFill/>
-                      <a:prstDash val="solid"/>
-                    </a:lnBlToTr>
-                    <a:solidFill>
-                      <a:schemeClr val="bg1"/>
-                    </a:solidFill>
-                  </a:tcPr>
-                </a:tc>
-                <a:tc>
-                  <a:txBody>
-                    <a:bodyPr/>
-                    <a:lstStyle/>
-                    <a:p>
-                      <a:endParaRPr lang="en-US"/>
+                      <a:endParaRPr lang="en-US" dirty="0"/>
                     </a:p>
                   </a:txBody>
                   <a:tcPr>
@@ -5739,6 +5478,63 @@
                     </a:solidFill>
                   </a:tcPr>
                 </a:tc>
+              </a:tr>
+              <a:tr h="685797">
+                <a:tc>
+                  <a:txBody>
+                    <a:bodyPr/>
+                    <a:lstStyle/>
+                    <a:p>
+                      <a:pPr algn="ctr"/>
+                      <a:r>
+                        <a:rPr lang="en-US" sz="2000" b="1" dirty="0" smtClean="0"/>
+                        <a:t>Transparency/Traceability</a:t>
+                      </a:r>
+                      <a:endParaRPr lang="en-US" sz="2000" b="1" dirty="0"/>
+                    </a:p>
+                  </a:txBody>
+                  <a:tcPr anchor="ctr">
+                    <a:lnL w="12700" cap="flat" cmpd="sng" algn="ctr">
+                      <a:noFill/>
+                      <a:prstDash val="solid"/>
+                      <a:round/>
+                      <a:headEnd type="none" w="med" len="med"/>
+                      <a:tailEnd type="none" w="med" len="med"/>
+                    </a:lnL>
+                    <a:lnR w="12700" cap="flat" cmpd="sng" algn="ctr">
+                      <a:noFill/>
+                      <a:prstDash val="solid"/>
+                      <a:round/>
+                      <a:headEnd type="none" w="med" len="med"/>
+                      <a:tailEnd type="none" w="med" len="med"/>
+                    </a:lnR>
+                    <a:lnT w="12700" cap="flat" cmpd="sng" algn="ctr">
+                      <a:noFill/>
+                      <a:prstDash val="solid"/>
+                      <a:round/>
+                      <a:headEnd type="none" w="med" len="med"/>
+                      <a:tailEnd type="none" w="med" len="med"/>
+                    </a:lnT>
+                    <a:lnB w="12700" cap="flat" cmpd="sng" algn="ctr">
+                      <a:noFill/>
+                      <a:prstDash val="solid"/>
+                      <a:round/>
+                      <a:headEnd type="none" w="med" len="med"/>
+                      <a:tailEnd type="none" w="med" len="med"/>
+                    </a:lnB>
+                    <a:lnTlToBr w="12700" cmpd="sng">
+                      <a:noFill/>
+                      <a:prstDash val="solid"/>
+                    </a:lnTlToBr>
+                    <a:lnBlToTr w="12700" cmpd="sng">
+                      <a:noFill/>
+                      <a:prstDash val="solid"/>
+                    </a:lnBlToTr>
+                    <a:solidFill>
+                      <a:schemeClr val="bg1"/>
+                    </a:solidFill>
+                  </a:tcPr>
+                </a:tc>
                 <a:tc>
                   <a:txBody>
                     <a:bodyPr/>
@@ -5789,8 +5585,208 @@
                     </a:solidFill>
                   </a:tcPr>
                 </a:tc>
+                <a:tc>
+                  <a:txBody>
+                    <a:bodyPr/>
+                    <a:lstStyle/>
+                    <a:p>
+                      <a:endParaRPr lang="en-US" dirty="0"/>
+                    </a:p>
+                  </a:txBody>
+                  <a:tcPr>
+                    <a:lnL w="12700" cap="flat" cmpd="sng" algn="ctr">
+                      <a:noFill/>
+                      <a:prstDash val="solid"/>
+                      <a:round/>
+                      <a:headEnd type="none" w="med" len="med"/>
+                      <a:tailEnd type="none" w="med" len="med"/>
+                    </a:lnL>
+                    <a:lnR w="12700" cap="flat" cmpd="sng" algn="ctr">
+                      <a:noFill/>
+                      <a:prstDash val="solid"/>
+                      <a:round/>
+                      <a:headEnd type="none" w="med" len="med"/>
+                      <a:tailEnd type="none" w="med" len="med"/>
+                    </a:lnR>
+                    <a:lnT w="12700" cap="flat" cmpd="sng" algn="ctr">
+                      <a:noFill/>
+                      <a:prstDash val="solid"/>
+                      <a:round/>
+                      <a:headEnd type="none" w="med" len="med"/>
+                      <a:tailEnd type="none" w="med" len="med"/>
+                    </a:lnT>
+                    <a:lnB w="12700" cap="flat" cmpd="sng" algn="ctr">
+                      <a:noFill/>
+                      <a:prstDash val="solid"/>
+                      <a:round/>
+                      <a:headEnd type="none" w="med" len="med"/>
+                      <a:tailEnd type="none" w="med" len="med"/>
+                    </a:lnB>
+                    <a:lnTlToBr w="12700" cmpd="sng">
+                      <a:noFill/>
+                      <a:prstDash val="solid"/>
+                    </a:lnTlToBr>
+                    <a:lnBlToTr w="12700" cmpd="sng">
+                      <a:noFill/>
+                      <a:prstDash val="solid"/>
+                    </a:lnBlToTr>
+                    <a:solidFill>
+                      <a:schemeClr val="bg1"/>
+                    </a:solidFill>
+                  </a:tcPr>
+                </a:tc>
+                <a:tc>
+                  <a:txBody>
+                    <a:bodyPr/>
+                    <a:lstStyle/>
+                    <a:p>
+                      <a:endParaRPr lang="en-US" dirty="0"/>
+                    </a:p>
+                  </a:txBody>
+                  <a:tcPr>
+                    <a:lnL w="12700" cap="flat" cmpd="sng" algn="ctr">
+                      <a:noFill/>
+                      <a:prstDash val="solid"/>
+                      <a:round/>
+                      <a:headEnd type="none" w="med" len="med"/>
+                      <a:tailEnd type="none" w="med" len="med"/>
+                    </a:lnL>
+                    <a:lnR w="12700" cap="flat" cmpd="sng" algn="ctr">
+                      <a:noFill/>
+                      <a:prstDash val="solid"/>
+                      <a:round/>
+                      <a:headEnd type="none" w="med" len="med"/>
+                      <a:tailEnd type="none" w="med" len="med"/>
+                    </a:lnR>
+                    <a:lnT w="12700" cap="flat" cmpd="sng" algn="ctr">
+                      <a:noFill/>
+                      <a:prstDash val="solid"/>
+                      <a:round/>
+                      <a:headEnd type="none" w="med" len="med"/>
+                      <a:tailEnd type="none" w="med" len="med"/>
+                    </a:lnT>
+                    <a:lnB w="12700" cap="flat" cmpd="sng" algn="ctr">
+                      <a:noFill/>
+                      <a:prstDash val="solid"/>
+                      <a:round/>
+                      <a:headEnd type="none" w="med" len="med"/>
+                      <a:tailEnd type="none" w="med" len="med"/>
+                    </a:lnB>
+                    <a:lnTlToBr w="12700" cmpd="sng">
+                      <a:noFill/>
+                      <a:prstDash val="solid"/>
+                    </a:lnTlToBr>
+                    <a:lnBlToTr w="12700" cmpd="sng">
+                      <a:noFill/>
+                      <a:prstDash val="solid"/>
+                    </a:lnBlToTr>
+                    <a:solidFill>
+                      <a:schemeClr val="bg1"/>
+                    </a:solidFill>
+                  </a:tcPr>
+                </a:tc>
+                <a:tc>
+                  <a:txBody>
+                    <a:bodyPr/>
+                    <a:lstStyle/>
+                    <a:p>
+                      <a:endParaRPr lang="en-US" dirty="0"/>
+                    </a:p>
+                  </a:txBody>
+                  <a:tcPr>
+                    <a:lnL w="12700" cap="flat" cmpd="sng" algn="ctr">
+                      <a:noFill/>
+                      <a:prstDash val="solid"/>
+                      <a:round/>
+                      <a:headEnd type="none" w="med" len="med"/>
+                      <a:tailEnd type="none" w="med" len="med"/>
+                    </a:lnL>
+                    <a:lnR w="12700" cap="flat" cmpd="sng" algn="ctr">
+                      <a:noFill/>
+                      <a:prstDash val="solid"/>
+                      <a:round/>
+                      <a:headEnd type="none" w="med" len="med"/>
+                      <a:tailEnd type="none" w="med" len="med"/>
+                    </a:lnR>
+                    <a:lnT w="12700" cap="flat" cmpd="sng" algn="ctr">
+                      <a:noFill/>
+                      <a:prstDash val="solid"/>
+                      <a:round/>
+                      <a:headEnd type="none" w="med" len="med"/>
+                      <a:tailEnd type="none" w="med" len="med"/>
+                    </a:lnT>
+                    <a:lnB w="12700" cap="flat" cmpd="sng" algn="ctr">
+                      <a:noFill/>
+                      <a:prstDash val="solid"/>
+                      <a:round/>
+                      <a:headEnd type="none" w="med" len="med"/>
+                      <a:tailEnd type="none" w="med" len="med"/>
+                    </a:lnB>
+                    <a:lnTlToBr w="12700" cmpd="sng">
+                      <a:noFill/>
+                      <a:prstDash val="solid"/>
+                    </a:lnTlToBr>
+                    <a:lnBlToTr w="12700" cmpd="sng">
+                      <a:noFill/>
+                      <a:prstDash val="solid"/>
+                    </a:lnBlToTr>
+                    <a:solidFill>
+                      <a:schemeClr val="bg1"/>
+                    </a:solidFill>
+                  </a:tcPr>
+                </a:tc>
+                <a:tc>
+                  <a:txBody>
+                    <a:bodyPr/>
+                    <a:lstStyle/>
+                    <a:p>
+                      <a:endParaRPr lang="en-US" dirty="0"/>
+                    </a:p>
+                  </a:txBody>
+                  <a:tcPr>
+                    <a:lnL w="12700" cap="flat" cmpd="sng" algn="ctr">
+                      <a:noFill/>
+                      <a:prstDash val="solid"/>
+                      <a:round/>
+                      <a:headEnd type="none" w="med" len="med"/>
+                      <a:tailEnd type="none" w="med" len="med"/>
+                    </a:lnL>
+                    <a:lnR w="12700" cap="flat" cmpd="sng" algn="ctr">
+                      <a:noFill/>
+                      <a:prstDash val="solid"/>
+                      <a:round/>
+                      <a:headEnd type="none" w="med" len="med"/>
+                      <a:tailEnd type="none" w="med" len="med"/>
+                    </a:lnR>
+                    <a:lnT w="12700" cap="flat" cmpd="sng" algn="ctr">
+                      <a:noFill/>
+                      <a:prstDash val="solid"/>
+                      <a:round/>
+                      <a:headEnd type="none" w="med" len="med"/>
+                      <a:tailEnd type="none" w="med" len="med"/>
+                    </a:lnT>
+                    <a:lnB w="12700" cap="flat" cmpd="sng" algn="ctr">
+                      <a:noFill/>
+                      <a:prstDash val="solid"/>
+                      <a:round/>
+                      <a:headEnd type="none" w="med" len="med"/>
+                      <a:tailEnd type="none" w="med" len="med"/>
+                    </a:lnB>
+                    <a:lnTlToBr w="12700" cmpd="sng">
+                      <a:noFill/>
+                      <a:prstDash val="solid"/>
+                    </a:lnTlToBr>
+                    <a:lnBlToTr w="12700" cmpd="sng">
+                      <a:noFill/>
+                      <a:prstDash val="solid"/>
+                    </a:lnBlToTr>
+                    <a:solidFill>
+                      <a:schemeClr val="bg1"/>
+                    </a:solidFill>
+                  </a:tcPr>
+                </a:tc>
               </a:tr>
-              <a:tr h="609600">
+              <a:tr h="685797">
                 <a:tc>
                   <a:txBody>
                     <a:bodyPr/>
@@ -5851,7 +5847,7 @@
                     <a:bodyPr/>
                     <a:lstStyle/>
                     <a:p>
-                      <a:endParaRPr lang="en-US"/>
+                      <a:endParaRPr lang="en-US" dirty="0"/>
                     </a:p>
                   </a:txBody>
                   <a:tcPr>
@@ -5901,7 +5897,7 @@
                     <a:bodyPr/>
                     <a:lstStyle/>
                     <a:p>
-                      <a:endParaRPr lang="en-US"/>
+                      <a:endParaRPr lang="en-US" dirty="0"/>
                     </a:p>
                   </a:txBody>
                   <a:tcPr>
@@ -6289,2166 +6285,2304 @@
           </a:p>
         </p:txBody>
       </p:sp>
-      <p:sp>
-        <p:nvSpPr>
-          <p:cNvPr id="3" name="NCEI_STAR_RATING"/>
-          <p:cNvSpPr/>
+      <p:grpSp>
+        <p:nvGrpSpPr>
+          <p:cNvPr id="43" name="Group 42"/>
+          <p:cNvGrpSpPr/>
           <p:nvPr/>
-        </p:nvSpPr>
-        <p:spPr>
+        </p:nvGrpSpPr>
+        <p:grpSpPr>
           <a:xfrm>
             <a:off x="7772401" y="1661162"/>
-            <a:ext cx="411478" cy="411479"/>
+            <a:ext cx="4158303" cy="411479"/>
+            <a:chOff x="7772401" y="1661162"/>
+            <a:chExt cx="4158303" cy="411479"/>
           </a:xfrm>
-          <a:prstGeom prst="star5">
-            <a:avLst/>
-          </a:prstGeom>
-          <a:solidFill>
-            <a:srgbClr val="FFFFFF"/>
-          </a:solidFill>
-          <a:ln w="3175">
+        </p:grpSpPr>
+        <p:sp>
+          <p:nvSpPr>
+            <p:cNvPr id="3" name="NCEI_STAR_RATING"/>
+            <p:cNvSpPr/>
+            <p:nvPr/>
+          </p:nvSpPr>
+          <p:spPr>
+            <a:xfrm>
+              <a:off x="7772401" y="1661162"/>
+              <a:ext cx="411478" cy="411479"/>
+            </a:xfrm>
+            <a:prstGeom prst="star5">
+              <a:avLst/>
+            </a:prstGeom>
             <a:solidFill>
-              <a:srgbClr val="7F7F7F"/>
+              <a:schemeClr val="tx1">
+                <a:lumMod val="50000"/>
+                <a:lumOff val="50000"/>
+              </a:schemeClr>
             </a:solidFill>
-          </a:ln>
-        </p:spPr>
-        <p:style>
-          <a:lnRef idx="2">
-            <a:schemeClr val="accent1">
-              <a:shade val="50000"/>
-            </a:schemeClr>
-          </a:lnRef>
-          <a:fillRef idx="1">
-            <a:schemeClr val="accent1"/>
-          </a:fillRef>
-          <a:effectRef idx="0">
-            <a:schemeClr val="accent1"/>
-          </a:effectRef>
-          <a:fontRef idx="minor">
-            <a:schemeClr val="lt1"/>
-          </a:fontRef>
-        </p:style>
-        <p:txBody>
-          <a:bodyPr rtlCol="0" anchor="ctr"/>
-          <a:lstStyle/>
-          <a:p>
-            <a:pPr algn="ctr"/>
-            <a:endParaRPr lang="en-US"/>
-          </a:p>
-        </p:txBody>
-      </p:sp>
-      <p:sp>
-        <p:nvSpPr>
-          <p:cNvPr id="4" name="NCEI_STAR_RATING"/>
-          <p:cNvSpPr/>
-          <p:nvPr/>
-        </p:nvSpPr>
-        <p:spPr>
-          <a:xfrm>
-            <a:off x="8747369" y="1661162"/>
-            <a:ext cx="411478" cy="411479"/>
-          </a:xfrm>
-          <a:prstGeom prst="star5">
-            <a:avLst/>
-          </a:prstGeom>
-          <a:solidFill>
-            <a:srgbClr val="FFFFFF"/>
-          </a:solidFill>
-          <a:ln w="3175">
-            <a:solidFill>
-              <a:srgbClr val="7F7F7F"/>
-            </a:solidFill>
-          </a:ln>
-        </p:spPr>
-        <p:style>
-          <a:lnRef idx="2">
-            <a:schemeClr val="accent1">
-              <a:shade val="50000"/>
-            </a:schemeClr>
-          </a:lnRef>
-          <a:fillRef idx="1">
-            <a:schemeClr val="accent1"/>
-          </a:fillRef>
-          <a:effectRef idx="0">
-            <a:schemeClr val="accent1"/>
-          </a:effectRef>
-          <a:fontRef idx="minor">
-            <a:schemeClr val="lt1"/>
-          </a:fontRef>
-        </p:style>
-        <p:txBody>
-          <a:bodyPr rtlCol="0" anchor="ctr"/>
-          <a:lstStyle/>
-          <a:p>
-            <a:pPr algn="ctr"/>
-            <a:endParaRPr lang="en-US"/>
-          </a:p>
-        </p:txBody>
-      </p:sp>
-      <p:sp>
-        <p:nvSpPr>
-          <p:cNvPr id="5" name="NCEI_STAR_RATING"/>
-          <p:cNvSpPr/>
-          <p:nvPr/>
-        </p:nvSpPr>
-        <p:spPr>
-          <a:xfrm>
-            <a:off x="9622692" y="1661162"/>
-            <a:ext cx="411478" cy="411479"/>
-          </a:xfrm>
-          <a:prstGeom prst="star5">
-            <a:avLst/>
-          </a:prstGeom>
-          <a:solidFill>
-            <a:srgbClr val="FFFFFF"/>
-          </a:solidFill>
-          <a:ln w="3175">
-            <a:solidFill>
-              <a:srgbClr val="7F7F7F"/>
-            </a:solidFill>
-          </a:ln>
-        </p:spPr>
-        <p:style>
-          <a:lnRef idx="2">
-            <a:schemeClr val="accent1">
-              <a:shade val="50000"/>
-            </a:schemeClr>
-          </a:lnRef>
-          <a:fillRef idx="1">
-            <a:schemeClr val="accent1"/>
-          </a:fillRef>
-          <a:effectRef idx="0">
-            <a:schemeClr val="accent1"/>
-          </a:effectRef>
-          <a:fontRef idx="minor">
-            <a:schemeClr val="lt1"/>
-          </a:fontRef>
-        </p:style>
-        <p:txBody>
-          <a:bodyPr rtlCol="0" anchor="ctr"/>
-          <a:lstStyle/>
-          <a:p>
-            <a:pPr algn="ctr"/>
-            <a:endParaRPr lang="en-US"/>
-          </a:p>
-        </p:txBody>
-      </p:sp>
-      <p:sp>
-        <p:nvSpPr>
-          <p:cNvPr id="6" name="NCEI_STAR_RATING"/>
-          <p:cNvSpPr/>
-          <p:nvPr/>
-        </p:nvSpPr>
-        <p:spPr>
-          <a:xfrm>
-            <a:off x="10570959" y="1661162"/>
-            <a:ext cx="411478" cy="411479"/>
-          </a:xfrm>
-          <a:prstGeom prst="star5">
-            <a:avLst/>
-          </a:prstGeom>
-          <a:solidFill>
-            <a:srgbClr val="FFFFFF"/>
-          </a:solidFill>
-          <a:ln w="3175">
-            <a:solidFill>
-              <a:srgbClr val="7F7F7F"/>
-            </a:solidFill>
-          </a:ln>
-        </p:spPr>
-        <p:style>
-          <a:lnRef idx="2">
-            <a:schemeClr val="accent1">
-              <a:shade val="50000"/>
-            </a:schemeClr>
-          </a:lnRef>
-          <a:fillRef idx="1">
-            <a:schemeClr val="accent1"/>
-          </a:fillRef>
-          <a:effectRef idx="0">
-            <a:schemeClr val="accent1"/>
-          </a:effectRef>
-          <a:fontRef idx="minor">
-            <a:schemeClr val="lt1"/>
-          </a:fontRef>
-        </p:style>
-        <p:txBody>
-          <a:bodyPr rtlCol="0" anchor="ctr"/>
-          <a:lstStyle/>
-          <a:p>
-            <a:pPr algn="ctr"/>
-            <a:endParaRPr lang="en-US"/>
-          </a:p>
-        </p:txBody>
-      </p:sp>
-      <p:sp>
-        <p:nvSpPr>
-          <p:cNvPr id="7" name="NCEI_STAR_RATING"/>
-          <p:cNvSpPr/>
-          <p:nvPr/>
-        </p:nvSpPr>
-        <p:spPr>
-          <a:xfrm>
-            <a:off x="11519226" y="1661162"/>
-            <a:ext cx="411478" cy="411479"/>
-          </a:xfrm>
-          <a:prstGeom prst="star5">
-            <a:avLst/>
-          </a:prstGeom>
-          <a:solidFill>
-            <a:srgbClr val="FFFFFF"/>
-          </a:solidFill>
-          <a:ln w="3175">
-            <a:solidFill>
-              <a:srgbClr val="7F7F7F"/>
-            </a:solidFill>
-          </a:ln>
-        </p:spPr>
-        <p:style>
-          <a:lnRef idx="2">
-            <a:schemeClr val="accent1">
-              <a:shade val="50000"/>
-            </a:schemeClr>
-          </a:lnRef>
-          <a:fillRef idx="1">
-            <a:schemeClr val="accent1"/>
-          </a:fillRef>
-          <a:effectRef idx="0">
-            <a:schemeClr val="accent1"/>
-          </a:effectRef>
-          <a:fontRef idx="minor">
-            <a:schemeClr val="lt1"/>
-          </a:fontRef>
-        </p:style>
-        <p:txBody>
-          <a:bodyPr rtlCol="0" anchor="ctr"/>
-          <a:lstStyle/>
-          <a:p>
-            <a:pPr algn="ctr"/>
-            <a:endParaRPr lang="en-US"/>
-          </a:p>
-        </p:txBody>
-      </p:sp>
-      <p:sp>
-        <p:nvSpPr>
-          <p:cNvPr id="8" name="NCEI_STAR_RATING"/>
-          <p:cNvSpPr/>
-          <p:nvPr/>
-        </p:nvSpPr>
-        <p:spPr>
-          <a:xfrm>
-            <a:off x="7772401" y="2331720"/>
-            <a:ext cx="365760" cy="365760"/>
-          </a:xfrm>
-          <a:prstGeom prst="star5">
-            <a:avLst/>
-          </a:prstGeom>
-          <a:solidFill>
-            <a:srgbClr val="7F7F7F"/>
-          </a:solidFill>
-          <a:ln w="3175">
-            <a:solidFill>
-              <a:srgbClr val="7F7F7F"/>
-            </a:solidFill>
-          </a:ln>
-        </p:spPr>
-        <p:style>
-          <a:lnRef idx="2">
-            <a:schemeClr val="accent1">
-              <a:shade val="50000"/>
-            </a:schemeClr>
-          </a:lnRef>
-          <a:fillRef idx="1">
-            <a:schemeClr val="accent1"/>
-          </a:fillRef>
-          <a:effectRef idx="0">
-            <a:schemeClr val="accent1"/>
-          </a:effectRef>
-          <a:fontRef idx="minor">
-            <a:schemeClr val="lt1"/>
-          </a:fontRef>
-        </p:style>
-        <p:txBody>
-          <a:bodyPr rtlCol="0" anchor="ctr"/>
-          <a:lstStyle/>
-          <a:p>
-            <a:pPr algn="ctr"/>
-            <a:endParaRPr lang="en-US"/>
-          </a:p>
-        </p:txBody>
-      </p:sp>
-      <p:sp>
-        <p:nvSpPr>
-          <p:cNvPr id="9" name="NCEI_STAR_RATING"/>
-          <p:cNvSpPr/>
-          <p:nvPr/>
-        </p:nvSpPr>
-        <p:spPr>
-          <a:xfrm>
-            <a:off x="8747369" y="2331720"/>
-            <a:ext cx="365760" cy="365760"/>
-          </a:xfrm>
-          <a:prstGeom prst="star5">
-            <a:avLst/>
-          </a:prstGeom>
-          <a:solidFill>
-            <a:srgbClr val="FFFFFF"/>
-          </a:solidFill>
-          <a:ln w="3175">
-            <a:solidFill>
-              <a:srgbClr val="7F7F7F"/>
-            </a:solidFill>
-          </a:ln>
-        </p:spPr>
-        <p:style>
-          <a:lnRef idx="2">
-            <a:schemeClr val="accent1">
-              <a:shade val="50000"/>
-            </a:schemeClr>
-          </a:lnRef>
-          <a:fillRef idx="1">
-            <a:schemeClr val="accent1"/>
-          </a:fillRef>
-          <a:effectRef idx="0">
-            <a:schemeClr val="accent1"/>
-          </a:effectRef>
-          <a:fontRef idx="minor">
-            <a:schemeClr val="lt1"/>
-          </a:fontRef>
-        </p:style>
-        <p:txBody>
-          <a:bodyPr rtlCol="0" anchor="ctr"/>
-          <a:lstStyle/>
-          <a:p>
-            <a:pPr algn="ctr"/>
-            <a:endParaRPr lang="en-US"/>
-          </a:p>
-        </p:txBody>
-      </p:sp>
-      <p:sp>
-        <p:nvSpPr>
-          <p:cNvPr id="10" name="NCEI_STAR_RATING"/>
-          <p:cNvSpPr/>
-          <p:nvPr/>
-        </p:nvSpPr>
-        <p:spPr>
-          <a:xfrm>
-            <a:off x="9622692" y="2331720"/>
-            <a:ext cx="365760" cy="365760"/>
-          </a:xfrm>
-          <a:prstGeom prst="star5">
-            <a:avLst/>
-          </a:prstGeom>
-          <a:solidFill>
-            <a:srgbClr val="FFFFFF"/>
-          </a:solidFill>
-          <a:ln w="3175">
-            <a:solidFill>
-              <a:srgbClr val="7F7F7F"/>
-            </a:solidFill>
-          </a:ln>
-        </p:spPr>
-        <p:style>
-          <a:lnRef idx="2">
-            <a:schemeClr val="accent1">
-              <a:shade val="50000"/>
-            </a:schemeClr>
-          </a:lnRef>
-          <a:fillRef idx="1">
-            <a:schemeClr val="accent1"/>
-          </a:fillRef>
-          <a:effectRef idx="0">
-            <a:schemeClr val="accent1"/>
-          </a:effectRef>
-          <a:fontRef idx="minor">
-            <a:schemeClr val="lt1"/>
-          </a:fontRef>
-        </p:style>
-        <p:txBody>
-          <a:bodyPr rtlCol="0" anchor="ctr"/>
-          <a:lstStyle/>
-          <a:p>
-            <a:pPr algn="ctr"/>
-            <a:endParaRPr lang="en-US"/>
-          </a:p>
-        </p:txBody>
-      </p:sp>
-      <p:sp>
-        <p:nvSpPr>
-          <p:cNvPr id="11" name="NCEI_STAR_RATING"/>
-          <p:cNvSpPr/>
-          <p:nvPr/>
-        </p:nvSpPr>
-        <p:spPr>
-          <a:xfrm>
-            <a:off x="10570959" y="2331720"/>
-            <a:ext cx="365759" cy="365760"/>
-          </a:xfrm>
-          <a:prstGeom prst="star5">
-            <a:avLst/>
-          </a:prstGeom>
-          <a:solidFill>
-            <a:srgbClr val="FFFFFF"/>
-          </a:solidFill>
-          <a:ln w="3175">
-            <a:solidFill>
-              <a:srgbClr val="7F7F7F"/>
-            </a:solidFill>
-          </a:ln>
-        </p:spPr>
-        <p:style>
-          <a:lnRef idx="2">
-            <a:schemeClr val="accent1">
-              <a:shade val="50000"/>
-            </a:schemeClr>
-          </a:lnRef>
-          <a:fillRef idx="1">
-            <a:schemeClr val="accent1"/>
-          </a:fillRef>
-          <a:effectRef idx="0">
-            <a:schemeClr val="accent1"/>
-          </a:effectRef>
-          <a:fontRef idx="minor">
-            <a:schemeClr val="lt1"/>
-          </a:fontRef>
-        </p:style>
-        <p:txBody>
-          <a:bodyPr rtlCol="0" anchor="ctr"/>
-          <a:lstStyle/>
-          <a:p>
-            <a:pPr algn="ctr"/>
-            <a:endParaRPr lang="en-US"/>
-          </a:p>
-        </p:txBody>
-      </p:sp>
-      <p:sp>
-        <p:nvSpPr>
-          <p:cNvPr id="12" name="NCEI_STAR_RATING"/>
-          <p:cNvSpPr/>
-          <p:nvPr/>
-        </p:nvSpPr>
-        <p:spPr>
-          <a:xfrm>
-            <a:off x="11519226" y="2331720"/>
-            <a:ext cx="365760" cy="365760"/>
-          </a:xfrm>
-          <a:prstGeom prst="star5">
-            <a:avLst/>
-          </a:prstGeom>
-          <a:solidFill>
-            <a:srgbClr val="FFFFFF"/>
-          </a:solidFill>
-          <a:ln w="3175">
-            <a:solidFill>
-              <a:srgbClr val="7F7F7F"/>
-            </a:solidFill>
-          </a:ln>
-        </p:spPr>
-        <p:style>
-          <a:lnRef idx="2">
-            <a:schemeClr val="accent1">
-              <a:shade val="50000"/>
-            </a:schemeClr>
-          </a:lnRef>
-          <a:fillRef idx="1">
-            <a:schemeClr val="accent1"/>
-          </a:fillRef>
-          <a:effectRef idx="0">
-            <a:schemeClr val="accent1"/>
-          </a:effectRef>
-          <a:fontRef idx="minor">
-            <a:schemeClr val="lt1"/>
-          </a:fontRef>
-        </p:style>
-        <p:txBody>
-          <a:bodyPr rtlCol="0" anchor="ctr"/>
-          <a:lstStyle/>
-          <a:p>
-            <a:pPr algn="ctr"/>
-            <a:endParaRPr lang="en-US"/>
-          </a:p>
-        </p:txBody>
-      </p:sp>
-      <p:sp>
-        <p:nvSpPr>
-          <p:cNvPr id="13" name="NCEI_STAR_RATING"/>
-          <p:cNvSpPr/>
-          <p:nvPr/>
-        </p:nvSpPr>
-        <p:spPr>
-          <a:xfrm>
-            <a:off x="7772401" y="2941320"/>
-            <a:ext cx="365760" cy="365760"/>
-          </a:xfrm>
-          <a:prstGeom prst="star5">
-            <a:avLst/>
-          </a:prstGeom>
-          <a:solidFill>
-            <a:srgbClr val="7F7F7F"/>
-          </a:solidFill>
-          <a:ln w="3175">
-            <a:solidFill>
-              <a:srgbClr val="7F7F7F"/>
-            </a:solidFill>
-          </a:ln>
-        </p:spPr>
-        <p:style>
-          <a:lnRef idx="2">
-            <a:schemeClr val="accent1">
-              <a:shade val="50000"/>
-            </a:schemeClr>
-          </a:lnRef>
-          <a:fillRef idx="1">
-            <a:schemeClr val="accent1"/>
-          </a:fillRef>
-          <a:effectRef idx="0">
-            <a:schemeClr val="accent1"/>
-          </a:effectRef>
-          <a:fontRef idx="minor">
-            <a:schemeClr val="lt1"/>
-          </a:fontRef>
-        </p:style>
-        <p:txBody>
-          <a:bodyPr rtlCol="0" anchor="ctr"/>
-          <a:lstStyle/>
-          <a:p>
-            <a:pPr algn="ctr"/>
-            <a:endParaRPr lang="en-US"/>
-          </a:p>
-        </p:txBody>
-      </p:sp>
-      <p:sp>
-        <p:nvSpPr>
-          <p:cNvPr id="14" name="NCEI_STAR_RATING"/>
-          <p:cNvSpPr/>
-          <p:nvPr/>
-        </p:nvSpPr>
-        <p:spPr>
-          <a:xfrm>
-            <a:off x="8747369" y="2941320"/>
-            <a:ext cx="365760" cy="365760"/>
-          </a:xfrm>
-          <a:prstGeom prst="star5">
-            <a:avLst/>
-          </a:prstGeom>
-          <a:solidFill>
-            <a:srgbClr val="7F7F7F"/>
-          </a:solidFill>
-          <a:ln w="3175">
-            <a:solidFill>
-              <a:srgbClr val="7F7F7F"/>
-            </a:solidFill>
-          </a:ln>
-        </p:spPr>
-        <p:style>
-          <a:lnRef idx="2">
-            <a:schemeClr val="accent1">
-              <a:shade val="50000"/>
-            </a:schemeClr>
-          </a:lnRef>
-          <a:fillRef idx="1">
-            <a:schemeClr val="accent1"/>
-          </a:fillRef>
-          <a:effectRef idx="0">
-            <a:schemeClr val="accent1"/>
-          </a:effectRef>
-          <a:fontRef idx="minor">
-            <a:schemeClr val="lt1"/>
-          </a:fontRef>
-        </p:style>
-        <p:txBody>
-          <a:bodyPr rtlCol="0" anchor="ctr"/>
-          <a:lstStyle/>
-          <a:p>
-            <a:pPr algn="ctr"/>
-            <a:endParaRPr lang="en-US"/>
-          </a:p>
-        </p:txBody>
-      </p:sp>
-      <p:sp>
-        <p:nvSpPr>
-          <p:cNvPr id="15" name="NCEI_STAR_RATING"/>
-          <p:cNvSpPr/>
-          <p:nvPr/>
-        </p:nvSpPr>
-        <p:spPr>
-          <a:xfrm>
-            <a:off x="9622692" y="2941320"/>
-            <a:ext cx="365760" cy="365760"/>
-          </a:xfrm>
-          <a:prstGeom prst="star5">
-            <a:avLst/>
-          </a:prstGeom>
-          <a:solidFill>
-            <a:srgbClr val="FFFFFF"/>
-          </a:solidFill>
-          <a:ln w="3175">
-            <a:solidFill>
-              <a:srgbClr val="7F7F7F"/>
-            </a:solidFill>
-          </a:ln>
-        </p:spPr>
-        <p:style>
-          <a:lnRef idx="2">
-            <a:schemeClr val="accent1">
-              <a:shade val="50000"/>
-            </a:schemeClr>
-          </a:lnRef>
-          <a:fillRef idx="1">
-            <a:schemeClr val="accent1"/>
-          </a:fillRef>
-          <a:effectRef idx="0">
-            <a:schemeClr val="accent1"/>
-          </a:effectRef>
-          <a:fontRef idx="minor">
-            <a:schemeClr val="lt1"/>
-          </a:fontRef>
-        </p:style>
-        <p:txBody>
-          <a:bodyPr rtlCol="0" anchor="ctr"/>
-          <a:lstStyle/>
-          <a:p>
-            <a:pPr algn="ctr"/>
-            <a:endParaRPr lang="en-US"/>
-          </a:p>
-        </p:txBody>
-      </p:sp>
-      <p:sp>
-        <p:nvSpPr>
-          <p:cNvPr id="16" name="NCEI_STAR_RATING"/>
-          <p:cNvSpPr/>
-          <p:nvPr/>
-        </p:nvSpPr>
-        <p:spPr>
-          <a:xfrm>
-            <a:off x="10570959" y="2941320"/>
-            <a:ext cx="365759" cy="365760"/>
-          </a:xfrm>
-          <a:prstGeom prst="star5">
-            <a:avLst/>
-          </a:prstGeom>
-          <a:solidFill>
-            <a:srgbClr val="FFFFFF"/>
-          </a:solidFill>
-          <a:ln w="3175">
-            <a:solidFill>
-              <a:srgbClr val="7F7F7F"/>
-            </a:solidFill>
-          </a:ln>
-        </p:spPr>
-        <p:style>
-          <a:lnRef idx="2">
-            <a:schemeClr val="accent1">
-              <a:shade val="50000"/>
-            </a:schemeClr>
-          </a:lnRef>
-          <a:fillRef idx="1">
-            <a:schemeClr val="accent1"/>
-          </a:fillRef>
-          <a:effectRef idx="0">
-            <a:schemeClr val="accent1"/>
-          </a:effectRef>
-          <a:fontRef idx="minor">
-            <a:schemeClr val="lt1"/>
-          </a:fontRef>
-        </p:style>
-        <p:txBody>
-          <a:bodyPr rtlCol="0" anchor="ctr"/>
-          <a:lstStyle/>
-          <a:p>
-            <a:pPr algn="ctr"/>
-            <a:endParaRPr lang="en-US"/>
-          </a:p>
-        </p:txBody>
-      </p:sp>
-      <p:sp>
-        <p:nvSpPr>
-          <p:cNvPr id="17" name="NCEI_STAR_RATING"/>
-          <p:cNvSpPr/>
-          <p:nvPr/>
-        </p:nvSpPr>
-        <p:spPr>
-          <a:xfrm>
-            <a:off x="11519226" y="2941320"/>
-            <a:ext cx="365760" cy="365760"/>
-          </a:xfrm>
-          <a:prstGeom prst="star5">
-            <a:avLst/>
-          </a:prstGeom>
-          <a:solidFill>
-            <a:srgbClr val="FFFFFF"/>
-          </a:solidFill>
-          <a:ln w="3175">
-            <a:solidFill>
-              <a:srgbClr val="7F7F7F"/>
-            </a:solidFill>
-          </a:ln>
-        </p:spPr>
-        <p:style>
-          <a:lnRef idx="2">
-            <a:schemeClr val="accent1">
-              <a:shade val="50000"/>
-            </a:schemeClr>
-          </a:lnRef>
-          <a:fillRef idx="1">
-            <a:schemeClr val="accent1"/>
-          </a:fillRef>
-          <a:effectRef idx="0">
-            <a:schemeClr val="accent1"/>
-          </a:effectRef>
-          <a:fontRef idx="minor">
-            <a:schemeClr val="lt1"/>
-          </a:fontRef>
-        </p:style>
-        <p:txBody>
-          <a:bodyPr rtlCol="0" anchor="ctr"/>
-          <a:lstStyle/>
-          <a:p>
-            <a:pPr algn="ctr"/>
-            <a:endParaRPr lang="en-US"/>
-          </a:p>
-        </p:txBody>
-      </p:sp>
-      <p:sp>
-        <p:nvSpPr>
-          <p:cNvPr id="18" name="NCEI_STAR_RATING"/>
-          <p:cNvSpPr/>
-          <p:nvPr/>
-        </p:nvSpPr>
-        <p:spPr>
-          <a:xfrm>
-            <a:off x="7772401" y="3566160"/>
-            <a:ext cx="411480" cy="411480"/>
-          </a:xfrm>
-          <a:prstGeom prst="star5">
-            <a:avLst/>
-          </a:prstGeom>
-          <a:solidFill>
-            <a:srgbClr val="7F7F7F"/>
-          </a:solidFill>
-          <a:ln w="3175">
-            <a:solidFill>
-              <a:srgbClr val="7F7F7F"/>
-            </a:solidFill>
-          </a:ln>
-        </p:spPr>
-        <p:style>
-          <a:lnRef idx="2">
-            <a:schemeClr val="accent1">
-              <a:shade val="50000"/>
-            </a:schemeClr>
-          </a:lnRef>
-          <a:fillRef idx="1">
-            <a:schemeClr val="accent1"/>
-          </a:fillRef>
-          <a:effectRef idx="0">
-            <a:schemeClr val="accent1"/>
-          </a:effectRef>
-          <a:fontRef idx="minor">
-            <a:schemeClr val="lt1"/>
-          </a:fontRef>
-        </p:style>
-        <p:txBody>
-          <a:bodyPr rtlCol="0" anchor="ctr"/>
-          <a:lstStyle/>
-          <a:p>
-            <a:pPr algn="ctr"/>
-            <a:endParaRPr lang="en-US"/>
-          </a:p>
-        </p:txBody>
-      </p:sp>
-      <p:sp>
-        <p:nvSpPr>
-          <p:cNvPr id="19" name="NCEI_STAR_RATING"/>
-          <p:cNvSpPr/>
-          <p:nvPr/>
-        </p:nvSpPr>
-        <p:spPr>
-          <a:xfrm>
-            <a:off x="8747369" y="3566160"/>
-            <a:ext cx="411480" cy="411480"/>
-          </a:xfrm>
-          <a:prstGeom prst="star5">
-            <a:avLst/>
-          </a:prstGeom>
-          <a:solidFill>
-            <a:srgbClr val="7F7F7F"/>
-          </a:solidFill>
-          <a:ln w="3175">
-            <a:solidFill>
-              <a:srgbClr val="7F7F7F"/>
-            </a:solidFill>
-          </a:ln>
-        </p:spPr>
-        <p:style>
-          <a:lnRef idx="2">
-            <a:schemeClr val="accent1">
-              <a:shade val="50000"/>
-            </a:schemeClr>
-          </a:lnRef>
-          <a:fillRef idx="1">
-            <a:schemeClr val="accent1"/>
-          </a:fillRef>
-          <a:effectRef idx="0">
-            <a:schemeClr val="accent1"/>
-          </a:effectRef>
-          <a:fontRef idx="minor">
-            <a:schemeClr val="lt1"/>
-          </a:fontRef>
-        </p:style>
-        <p:txBody>
-          <a:bodyPr rtlCol="0" anchor="ctr"/>
-          <a:lstStyle/>
-          <a:p>
-            <a:pPr algn="ctr"/>
-            <a:endParaRPr lang="en-US"/>
-          </a:p>
-        </p:txBody>
-      </p:sp>
-      <p:sp>
-        <p:nvSpPr>
-          <p:cNvPr id="20" name="NCEI_STAR_RATING"/>
-          <p:cNvSpPr/>
-          <p:nvPr/>
-        </p:nvSpPr>
-        <p:spPr>
-          <a:xfrm>
-            <a:off x="9622692" y="3566160"/>
-            <a:ext cx="411480" cy="411480"/>
-          </a:xfrm>
-          <a:prstGeom prst="star5">
-            <a:avLst/>
-          </a:prstGeom>
-          <a:solidFill>
-            <a:srgbClr val="7F7F7F"/>
-          </a:solidFill>
-          <a:ln w="3175">
-            <a:solidFill>
-              <a:srgbClr val="7F7F7F"/>
-            </a:solidFill>
-          </a:ln>
-        </p:spPr>
-        <p:style>
-          <a:lnRef idx="2">
-            <a:schemeClr val="accent1">
-              <a:shade val="50000"/>
-            </a:schemeClr>
-          </a:lnRef>
-          <a:fillRef idx="1">
-            <a:schemeClr val="accent1"/>
-          </a:fillRef>
-          <a:effectRef idx="0">
-            <a:schemeClr val="accent1"/>
-          </a:effectRef>
-          <a:fontRef idx="minor">
-            <a:schemeClr val="lt1"/>
-          </a:fontRef>
-        </p:style>
-        <p:txBody>
-          <a:bodyPr rtlCol="0" anchor="ctr"/>
-          <a:lstStyle/>
-          <a:p>
-            <a:pPr algn="ctr"/>
-            <a:endParaRPr lang="en-US"/>
-          </a:p>
-        </p:txBody>
-      </p:sp>
-      <p:sp>
-        <p:nvSpPr>
-          <p:cNvPr id="21" name="NCEI_STAR_RATING"/>
-          <p:cNvSpPr/>
-          <p:nvPr/>
-        </p:nvSpPr>
-        <p:spPr>
-          <a:xfrm>
-            <a:off x="10570959" y="3566160"/>
-            <a:ext cx="411480" cy="411480"/>
-          </a:xfrm>
-          <a:prstGeom prst="star5">
-            <a:avLst/>
-          </a:prstGeom>
-          <a:solidFill>
-            <a:srgbClr val="FFFFFF"/>
-          </a:solidFill>
-          <a:ln w="3175">
-            <a:solidFill>
-              <a:srgbClr val="7F7F7F"/>
-            </a:solidFill>
-          </a:ln>
-        </p:spPr>
-        <p:style>
-          <a:lnRef idx="2">
-            <a:schemeClr val="accent1">
-              <a:shade val="50000"/>
-            </a:schemeClr>
-          </a:lnRef>
-          <a:fillRef idx="1">
-            <a:schemeClr val="accent1"/>
-          </a:fillRef>
-          <a:effectRef idx="0">
-            <a:schemeClr val="accent1"/>
-          </a:effectRef>
-          <a:fontRef idx="minor">
-            <a:schemeClr val="lt1"/>
-          </a:fontRef>
-        </p:style>
-        <p:txBody>
-          <a:bodyPr rtlCol="0" anchor="ctr"/>
-          <a:lstStyle/>
-          <a:p>
-            <a:pPr algn="ctr"/>
-            <a:endParaRPr lang="en-US"/>
-          </a:p>
-        </p:txBody>
-      </p:sp>
-      <p:sp>
-        <p:nvSpPr>
-          <p:cNvPr id="22" name="NCEI_STAR_RATING"/>
-          <p:cNvSpPr/>
-          <p:nvPr/>
-        </p:nvSpPr>
-        <p:spPr>
-          <a:xfrm>
-            <a:off x="11519226" y="3566160"/>
-            <a:ext cx="411481" cy="411480"/>
-          </a:xfrm>
-          <a:prstGeom prst="star5">
-            <a:avLst/>
-          </a:prstGeom>
-          <a:solidFill>
-            <a:srgbClr val="FFFFFF"/>
-          </a:solidFill>
-          <a:ln w="3175">
-            <a:solidFill>
-              <a:srgbClr val="7F7F7F"/>
-            </a:solidFill>
-          </a:ln>
-        </p:spPr>
-        <p:style>
-          <a:lnRef idx="2">
-            <a:schemeClr val="accent1">
-              <a:shade val="50000"/>
-            </a:schemeClr>
-          </a:lnRef>
-          <a:fillRef idx="1">
-            <a:schemeClr val="accent1"/>
-          </a:fillRef>
-          <a:effectRef idx="0">
-            <a:schemeClr val="accent1"/>
-          </a:effectRef>
-          <a:fontRef idx="minor">
-            <a:schemeClr val="lt1"/>
-          </a:fontRef>
-        </p:style>
-        <p:txBody>
-          <a:bodyPr rtlCol="0" anchor="ctr"/>
-          <a:lstStyle/>
-          <a:p>
-            <a:pPr algn="ctr"/>
-            <a:endParaRPr lang="en-US"/>
-          </a:p>
-        </p:txBody>
-      </p:sp>
-      <p:sp>
-        <p:nvSpPr>
-          <p:cNvPr id="23" name="NCEI_STAR_RATING"/>
-          <p:cNvSpPr/>
-          <p:nvPr/>
-        </p:nvSpPr>
-        <p:spPr>
-          <a:xfrm>
-            <a:off x="7772401" y="4251960"/>
-            <a:ext cx="411480" cy="411480"/>
-          </a:xfrm>
-          <a:prstGeom prst="star5">
-            <a:avLst/>
-          </a:prstGeom>
-          <a:solidFill>
-            <a:srgbClr val="7F7F7F"/>
-          </a:solidFill>
-          <a:ln w="3175">
-            <a:solidFill>
-              <a:srgbClr val="7F7F7F"/>
-            </a:solidFill>
-          </a:ln>
-        </p:spPr>
-        <p:style>
-          <a:lnRef idx="2">
-            <a:schemeClr val="accent1">
-              <a:shade val="50000"/>
-            </a:schemeClr>
-          </a:lnRef>
-          <a:fillRef idx="1">
-            <a:schemeClr val="accent1"/>
-          </a:fillRef>
-          <a:effectRef idx="0">
-            <a:schemeClr val="accent1"/>
-          </a:effectRef>
-          <a:fontRef idx="minor">
-            <a:schemeClr val="lt1"/>
-          </a:fontRef>
-        </p:style>
-        <p:txBody>
-          <a:bodyPr rtlCol="0" anchor="ctr"/>
-          <a:lstStyle/>
-          <a:p>
-            <a:pPr algn="ctr"/>
-            <a:endParaRPr lang="en-US"/>
-          </a:p>
-        </p:txBody>
-      </p:sp>
-      <p:sp>
-        <p:nvSpPr>
-          <p:cNvPr id="24" name="NCEI_STAR_RATING"/>
-          <p:cNvSpPr/>
-          <p:nvPr/>
-        </p:nvSpPr>
-        <p:spPr>
-          <a:xfrm>
-            <a:off x="8747369" y="4251960"/>
-            <a:ext cx="411480" cy="411480"/>
-          </a:xfrm>
-          <a:prstGeom prst="star5">
-            <a:avLst/>
-          </a:prstGeom>
-          <a:solidFill>
-            <a:srgbClr val="7F7F7F"/>
-          </a:solidFill>
-          <a:ln w="3175">
-            <a:solidFill>
-              <a:srgbClr val="7F7F7F"/>
-            </a:solidFill>
-          </a:ln>
-        </p:spPr>
-        <p:style>
-          <a:lnRef idx="2">
-            <a:schemeClr val="accent1">
-              <a:shade val="50000"/>
-            </a:schemeClr>
-          </a:lnRef>
-          <a:fillRef idx="1">
-            <a:schemeClr val="accent1"/>
-          </a:fillRef>
-          <a:effectRef idx="0">
-            <a:schemeClr val="accent1"/>
-          </a:effectRef>
-          <a:fontRef idx="minor">
-            <a:schemeClr val="lt1"/>
-          </a:fontRef>
-        </p:style>
-        <p:txBody>
-          <a:bodyPr rtlCol="0" anchor="ctr"/>
-          <a:lstStyle/>
-          <a:p>
-            <a:pPr algn="ctr"/>
-            <a:endParaRPr lang="en-US"/>
-          </a:p>
-        </p:txBody>
-      </p:sp>
-      <p:sp>
-        <p:nvSpPr>
-          <p:cNvPr id="25" name="NCEI_STAR_RATING"/>
-          <p:cNvSpPr/>
-          <p:nvPr/>
-        </p:nvSpPr>
-        <p:spPr>
-          <a:xfrm>
-            <a:off x="9622692" y="4251960"/>
-            <a:ext cx="411480" cy="411480"/>
-          </a:xfrm>
-          <a:prstGeom prst="star5">
-            <a:avLst/>
-          </a:prstGeom>
-          <a:solidFill>
-            <a:srgbClr val="7F7F7F"/>
-          </a:solidFill>
-          <a:ln w="3175">
-            <a:solidFill>
-              <a:srgbClr val="7F7F7F"/>
-            </a:solidFill>
-          </a:ln>
-        </p:spPr>
-        <p:style>
-          <a:lnRef idx="2">
-            <a:schemeClr val="accent1">
-              <a:shade val="50000"/>
-            </a:schemeClr>
-          </a:lnRef>
-          <a:fillRef idx="1">
-            <a:schemeClr val="accent1"/>
-          </a:fillRef>
-          <a:effectRef idx="0">
-            <a:schemeClr val="accent1"/>
-          </a:effectRef>
-          <a:fontRef idx="minor">
-            <a:schemeClr val="lt1"/>
-          </a:fontRef>
-        </p:style>
-        <p:txBody>
-          <a:bodyPr rtlCol="0" anchor="ctr"/>
-          <a:lstStyle/>
-          <a:p>
-            <a:pPr algn="ctr"/>
-            <a:endParaRPr lang="en-US"/>
-          </a:p>
-        </p:txBody>
-      </p:sp>
-      <p:sp>
-        <p:nvSpPr>
-          <p:cNvPr id="26" name="NCEI_STAR_RATING"/>
-          <p:cNvSpPr/>
-          <p:nvPr/>
-        </p:nvSpPr>
-        <p:spPr>
-          <a:xfrm>
-            <a:off x="10570959" y="4251960"/>
-            <a:ext cx="411480" cy="411480"/>
-          </a:xfrm>
-          <a:prstGeom prst="star5">
-            <a:avLst/>
-          </a:prstGeom>
-          <a:solidFill>
-            <a:srgbClr val="BFBFBF"/>
-          </a:solidFill>
-          <a:ln w="3175">
+            <a:ln w="3175">
+              <a:solidFill>
+                <a:srgbClr val="7F7F7F"/>
+              </a:solidFill>
+            </a:ln>
+          </p:spPr>
+          <p:style>
+            <a:lnRef idx="2">
+              <a:schemeClr val="accent1">
+                <a:shade val="50000"/>
+              </a:schemeClr>
+            </a:lnRef>
+            <a:fillRef idx="1">
+              <a:schemeClr val="accent1"/>
+            </a:fillRef>
+            <a:effectRef idx="0">
+              <a:schemeClr val="accent1"/>
+            </a:effectRef>
+            <a:fontRef idx="minor">
+              <a:schemeClr val="lt1"/>
+            </a:fontRef>
+          </p:style>
+          <p:txBody>
+            <a:bodyPr rtlCol="0" anchor="ctr"/>
+            <a:lstStyle/>
+            <a:p>
+              <a:pPr algn="ctr"/>
+              <a:endParaRPr lang="en-US"/>
+            </a:p>
+          </p:txBody>
+        </p:sp>
+        <p:sp>
+          <p:nvSpPr>
+            <p:cNvPr id="4" name="NCEI_STAR_RATING"/>
+            <p:cNvSpPr/>
+            <p:nvPr/>
+          </p:nvSpPr>
+          <p:spPr>
+            <a:xfrm>
+              <a:off x="8747369" y="1661162"/>
+              <a:ext cx="411478" cy="411479"/>
+            </a:xfrm>
+            <a:prstGeom prst="star5">
+              <a:avLst/>
+            </a:prstGeom>
             <a:solidFill>
               <a:srgbClr val="BFBFBF"/>
             </a:solidFill>
-          </a:ln>
-        </p:spPr>
-        <p:style>
-          <a:lnRef idx="2">
-            <a:schemeClr val="accent1">
-              <a:shade val="50000"/>
-            </a:schemeClr>
-          </a:lnRef>
-          <a:fillRef idx="1">
-            <a:schemeClr val="accent1"/>
-          </a:fillRef>
-          <a:effectRef idx="0">
-            <a:schemeClr val="accent1"/>
-          </a:effectRef>
-          <a:fontRef idx="minor">
-            <a:schemeClr val="lt1"/>
-          </a:fontRef>
-        </p:style>
-        <p:txBody>
-          <a:bodyPr rtlCol="0" anchor="ctr"/>
-          <a:lstStyle/>
-          <a:p>
-            <a:pPr algn="ctr"/>
-            <a:endParaRPr lang="en-US"/>
-          </a:p>
-        </p:txBody>
-      </p:sp>
-      <p:sp>
-        <p:nvSpPr>
-          <p:cNvPr id="27" name="NCEI_STAR_RATING"/>
-          <p:cNvSpPr/>
+            <a:ln w="3175">
+              <a:solidFill>
+                <a:srgbClr val="7F7F7F"/>
+              </a:solidFill>
+            </a:ln>
+          </p:spPr>
+          <p:style>
+            <a:lnRef idx="2">
+              <a:schemeClr val="accent1">
+                <a:shade val="50000"/>
+              </a:schemeClr>
+            </a:lnRef>
+            <a:fillRef idx="1">
+              <a:schemeClr val="accent1"/>
+            </a:fillRef>
+            <a:effectRef idx="0">
+              <a:schemeClr val="accent1"/>
+            </a:effectRef>
+            <a:fontRef idx="minor">
+              <a:schemeClr val="lt1"/>
+            </a:fontRef>
+          </p:style>
+          <p:txBody>
+            <a:bodyPr rtlCol="0" anchor="ctr"/>
+            <a:lstStyle/>
+            <a:p>
+              <a:pPr algn="ctr"/>
+              <a:endParaRPr lang="en-US"/>
+            </a:p>
+          </p:txBody>
+        </p:sp>
+        <p:sp>
+          <p:nvSpPr>
+            <p:cNvPr id="5" name="NCEI_STAR_RATING"/>
+            <p:cNvSpPr/>
+            <p:nvPr/>
+          </p:nvSpPr>
+          <p:spPr>
+            <a:xfrm>
+              <a:off x="9622692" y="1661162"/>
+              <a:ext cx="411478" cy="411479"/>
+            </a:xfrm>
+            <a:prstGeom prst="star5">
+              <a:avLst/>
+            </a:prstGeom>
+            <a:solidFill>
+              <a:srgbClr val="FFFFFF"/>
+            </a:solidFill>
+            <a:ln w="3175">
+              <a:solidFill>
+                <a:srgbClr val="7F7F7F"/>
+              </a:solidFill>
+            </a:ln>
+          </p:spPr>
+          <p:style>
+            <a:lnRef idx="2">
+              <a:schemeClr val="accent1">
+                <a:shade val="50000"/>
+              </a:schemeClr>
+            </a:lnRef>
+            <a:fillRef idx="1">
+              <a:schemeClr val="accent1"/>
+            </a:fillRef>
+            <a:effectRef idx="0">
+              <a:schemeClr val="accent1"/>
+            </a:effectRef>
+            <a:fontRef idx="minor">
+              <a:schemeClr val="lt1"/>
+            </a:fontRef>
+          </p:style>
+          <p:txBody>
+            <a:bodyPr rtlCol="0" anchor="ctr"/>
+            <a:lstStyle/>
+            <a:p>
+              <a:pPr algn="ctr"/>
+              <a:endParaRPr lang="en-US"/>
+            </a:p>
+          </p:txBody>
+        </p:sp>
+        <p:sp>
+          <p:nvSpPr>
+            <p:cNvPr id="6" name="NCEI_STAR_RATING"/>
+            <p:cNvSpPr/>
+            <p:nvPr/>
+          </p:nvSpPr>
+          <p:spPr>
+            <a:xfrm>
+              <a:off x="10570959" y="1661162"/>
+              <a:ext cx="411478" cy="411479"/>
+            </a:xfrm>
+            <a:prstGeom prst="star5">
+              <a:avLst/>
+            </a:prstGeom>
+            <a:solidFill>
+              <a:srgbClr val="FFFFFF"/>
+            </a:solidFill>
+            <a:ln w="3175">
+              <a:solidFill>
+                <a:srgbClr val="7F7F7F"/>
+              </a:solidFill>
+            </a:ln>
+          </p:spPr>
+          <p:style>
+            <a:lnRef idx="2">
+              <a:schemeClr val="accent1">
+                <a:shade val="50000"/>
+              </a:schemeClr>
+            </a:lnRef>
+            <a:fillRef idx="1">
+              <a:schemeClr val="accent1"/>
+            </a:fillRef>
+            <a:effectRef idx="0">
+              <a:schemeClr val="accent1"/>
+            </a:effectRef>
+            <a:fontRef idx="minor">
+              <a:schemeClr val="lt1"/>
+            </a:fontRef>
+          </p:style>
+          <p:txBody>
+            <a:bodyPr rtlCol="0" anchor="ctr"/>
+            <a:lstStyle/>
+            <a:p>
+              <a:pPr algn="ctr"/>
+              <a:endParaRPr lang="en-US"/>
+            </a:p>
+          </p:txBody>
+        </p:sp>
+        <p:sp>
+          <p:nvSpPr>
+            <p:cNvPr id="7" name="NCEI_STAR_RATING"/>
+            <p:cNvSpPr/>
+            <p:nvPr/>
+          </p:nvSpPr>
+          <p:spPr>
+            <a:xfrm>
+              <a:off x="11519226" y="1661162"/>
+              <a:ext cx="411478" cy="411479"/>
+            </a:xfrm>
+            <a:prstGeom prst="star5">
+              <a:avLst/>
+            </a:prstGeom>
+            <a:solidFill>
+              <a:srgbClr val="FFFFFF"/>
+            </a:solidFill>
+            <a:ln w="3175">
+              <a:solidFill>
+                <a:srgbClr val="7F7F7F"/>
+              </a:solidFill>
+            </a:ln>
+          </p:spPr>
+          <p:style>
+            <a:lnRef idx="2">
+              <a:schemeClr val="accent1">
+                <a:shade val="50000"/>
+              </a:schemeClr>
+            </a:lnRef>
+            <a:fillRef idx="1">
+              <a:schemeClr val="accent1"/>
+            </a:fillRef>
+            <a:effectRef idx="0">
+              <a:schemeClr val="accent1"/>
+            </a:effectRef>
+            <a:fontRef idx="minor">
+              <a:schemeClr val="lt1"/>
+            </a:fontRef>
+          </p:style>
+          <p:txBody>
+            <a:bodyPr rtlCol="0" anchor="ctr"/>
+            <a:lstStyle/>
+            <a:p>
+              <a:pPr algn="ctr"/>
+              <a:endParaRPr lang="en-US"/>
+            </a:p>
+          </p:txBody>
+        </p:sp>
+      </p:grpSp>
+      <p:grpSp>
+        <p:nvGrpSpPr>
+          <p:cNvPr id="61" name="Group 60"/>
+          <p:cNvGrpSpPr/>
           <p:nvPr/>
-        </p:nvSpPr>
-        <p:spPr>
+        </p:nvGrpSpPr>
+        <p:grpSpPr>
           <a:xfrm>
-            <a:off x="11519226" y="4251960"/>
-            <a:ext cx="411481" cy="411480"/>
+            <a:off x="7802295" y="2331721"/>
+            <a:ext cx="4158303" cy="411479"/>
+            <a:chOff x="7772401" y="1661162"/>
+            <a:chExt cx="4158303" cy="411479"/>
           </a:xfrm>
-          <a:prstGeom prst="star5">
-            <a:avLst/>
-          </a:prstGeom>
-          <a:solidFill>
-            <a:srgbClr val="FFFFFF"/>
-          </a:solidFill>
-          <a:ln w="3175">
+        </p:grpSpPr>
+        <p:sp>
+          <p:nvSpPr>
+            <p:cNvPr id="62" name="NCEI_STAR_RATING"/>
+            <p:cNvSpPr/>
+            <p:nvPr/>
+          </p:nvSpPr>
+          <p:spPr>
+            <a:xfrm>
+              <a:off x="7772401" y="1661162"/>
+              <a:ext cx="411478" cy="411479"/>
+            </a:xfrm>
+            <a:prstGeom prst="star5">
+              <a:avLst/>
+            </a:prstGeom>
             <a:solidFill>
-              <a:srgbClr val="7F7F7F"/>
+              <a:srgbClr val="FFFFFF"/>
             </a:solidFill>
-          </a:ln>
-        </p:spPr>
-        <p:style>
-          <a:lnRef idx="2">
-            <a:schemeClr val="accent1">
-              <a:shade val="50000"/>
-            </a:schemeClr>
-          </a:lnRef>
-          <a:fillRef idx="1">
-            <a:schemeClr val="accent1"/>
-          </a:fillRef>
-          <a:effectRef idx="0">
-            <a:schemeClr val="accent1"/>
-          </a:effectRef>
-          <a:fontRef idx="minor">
-            <a:schemeClr val="lt1"/>
-          </a:fontRef>
-        </p:style>
-        <p:txBody>
-          <a:bodyPr rtlCol="0" anchor="ctr"/>
-          <a:lstStyle/>
-          <a:p>
-            <a:pPr algn="ctr"/>
-            <a:endParaRPr lang="en-US"/>
-          </a:p>
-        </p:txBody>
-      </p:sp>
-      <p:sp>
-        <p:nvSpPr>
-          <p:cNvPr id="28" name="NCEI_STAR_RATING"/>
-          <p:cNvSpPr/>
+            <a:ln w="3175">
+              <a:solidFill>
+                <a:srgbClr val="7F7F7F"/>
+              </a:solidFill>
+            </a:ln>
+          </p:spPr>
+          <p:style>
+            <a:lnRef idx="2">
+              <a:schemeClr val="accent1">
+                <a:shade val="50000"/>
+              </a:schemeClr>
+            </a:lnRef>
+            <a:fillRef idx="1">
+              <a:schemeClr val="accent1"/>
+            </a:fillRef>
+            <a:effectRef idx="0">
+              <a:schemeClr val="accent1"/>
+            </a:effectRef>
+            <a:fontRef idx="minor">
+              <a:schemeClr val="lt1"/>
+            </a:fontRef>
+          </p:style>
+          <p:txBody>
+            <a:bodyPr rtlCol="0" anchor="ctr"/>
+            <a:lstStyle/>
+            <a:p>
+              <a:pPr algn="ctr"/>
+              <a:endParaRPr lang="en-US"/>
+            </a:p>
+          </p:txBody>
+        </p:sp>
+        <p:sp>
+          <p:nvSpPr>
+            <p:cNvPr id="63" name="NCEI_STAR_RATING"/>
+            <p:cNvSpPr/>
+            <p:nvPr/>
+          </p:nvSpPr>
+          <p:spPr>
+            <a:xfrm>
+              <a:off x="8747369" y="1661162"/>
+              <a:ext cx="411478" cy="411479"/>
+            </a:xfrm>
+            <a:prstGeom prst="star5">
+              <a:avLst/>
+            </a:prstGeom>
+            <a:solidFill>
+              <a:srgbClr val="FFFFFF"/>
+            </a:solidFill>
+            <a:ln w="3175">
+              <a:solidFill>
+                <a:srgbClr val="7F7F7F"/>
+              </a:solidFill>
+            </a:ln>
+          </p:spPr>
+          <p:style>
+            <a:lnRef idx="2">
+              <a:schemeClr val="accent1">
+                <a:shade val="50000"/>
+              </a:schemeClr>
+            </a:lnRef>
+            <a:fillRef idx="1">
+              <a:schemeClr val="accent1"/>
+            </a:fillRef>
+            <a:effectRef idx="0">
+              <a:schemeClr val="accent1"/>
+            </a:effectRef>
+            <a:fontRef idx="minor">
+              <a:schemeClr val="lt1"/>
+            </a:fontRef>
+          </p:style>
+          <p:txBody>
+            <a:bodyPr rtlCol="0" anchor="ctr"/>
+            <a:lstStyle/>
+            <a:p>
+              <a:pPr algn="ctr"/>
+              <a:endParaRPr lang="en-US"/>
+            </a:p>
+          </p:txBody>
+        </p:sp>
+        <p:sp>
+          <p:nvSpPr>
+            <p:cNvPr id="64" name="NCEI_STAR_RATING"/>
+            <p:cNvSpPr/>
+            <p:nvPr/>
+          </p:nvSpPr>
+          <p:spPr>
+            <a:xfrm>
+              <a:off x="9622692" y="1661162"/>
+              <a:ext cx="411478" cy="411479"/>
+            </a:xfrm>
+            <a:prstGeom prst="star5">
+              <a:avLst/>
+            </a:prstGeom>
+            <a:solidFill>
+              <a:srgbClr val="FFFFFF"/>
+            </a:solidFill>
+            <a:ln w="3175">
+              <a:solidFill>
+                <a:srgbClr val="7F7F7F"/>
+              </a:solidFill>
+            </a:ln>
+          </p:spPr>
+          <p:style>
+            <a:lnRef idx="2">
+              <a:schemeClr val="accent1">
+                <a:shade val="50000"/>
+              </a:schemeClr>
+            </a:lnRef>
+            <a:fillRef idx="1">
+              <a:schemeClr val="accent1"/>
+            </a:fillRef>
+            <a:effectRef idx="0">
+              <a:schemeClr val="accent1"/>
+            </a:effectRef>
+            <a:fontRef idx="minor">
+              <a:schemeClr val="lt1"/>
+            </a:fontRef>
+          </p:style>
+          <p:txBody>
+            <a:bodyPr rtlCol="0" anchor="ctr"/>
+            <a:lstStyle/>
+            <a:p>
+              <a:pPr algn="ctr"/>
+              <a:endParaRPr lang="en-US"/>
+            </a:p>
+          </p:txBody>
+        </p:sp>
+        <p:sp>
+          <p:nvSpPr>
+            <p:cNvPr id="65" name="NCEI_STAR_RATING"/>
+            <p:cNvSpPr/>
+            <p:nvPr/>
+          </p:nvSpPr>
+          <p:spPr>
+            <a:xfrm>
+              <a:off x="10570959" y="1661162"/>
+              <a:ext cx="411478" cy="411479"/>
+            </a:xfrm>
+            <a:prstGeom prst="star5">
+              <a:avLst/>
+            </a:prstGeom>
+            <a:solidFill>
+              <a:srgbClr val="FFFFFF"/>
+            </a:solidFill>
+            <a:ln w="3175">
+              <a:solidFill>
+                <a:srgbClr val="7F7F7F"/>
+              </a:solidFill>
+            </a:ln>
+          </p:spPr>
+          <p:style>
+            <a:lnRef idx="2">
+              <a:schemeClr val="accent1">
+                <a:shade val="50000"/>
+              </a:schemeClr>
+            </a:lnRef>
+            <a:fillRef idx="1">
+              <a:schemeClr val="accent1"/>
+            </a:fillRef>
+            <a:effectRef idx="0">
+              <a:schemeClr val="accent1"/>
+            </a:effectRef>
+            <a:fontRef idx="minor">
+              <a:schemeClr val="lt1"/>
+            </a:fontRef>
+          </p:style>
+          <p:txBody>
+            <a:bodyPr rtlCol="0" anchor="ctr"/>
+            <a:lstStyle/>
+            <a:p>
+              <a:pPr algn="ctr"/>
+              <a:endParaRPr lang="en-US"/>
+            </a:p>
+          </p:txBody>
+        </p:sp>
+        <p:sp>
+          <p:nvSpPr>
+            <p:cNvPr id="66" name="NCEI_STAR_RATING"/>
+            <p:cNvSpPr/>
+            <p:nvPr/>
+          </p:nvSpPr>
+          <p:spPr>
+            <a:xfrm>
+              <a:off x="11519226" y="1661162"/>
+              <a:ext cx="411478" cy="411479"/>
+            </a:xfrm>
+            <a:prstGeom prst="star5">
+              <a:avLst/>
+            </a:prstGeom>
+            <a:solidFill>
+              <a:srgbClr val="FFFFFF"/>
+            </a:solidFill>
+            <a:ln w="3175">
+              <a:solidFill>
+                <a:srgbClr val="7F7F7F"/>
+              </a:solidFill>
+            </a:ln>
+          </p:spPr>
+          <p:style>
+            <a:lnRef idx="2">
+              <a:schemeClr val="accent1">
+                <a:shade val="50000"/>
+              </a:schemeClr>
+            </a:lnRef>
+            <a:fillRef idx="1">
+              <a:schemeClr val="accent1"/>
+            </a:fillRef>
+            <a:effectRef idx="0">
+              <a:schemeClr val="accent1"/>
+            </a:effectRef>
+            <a:fontRef idx="minor">
+              <a:schemeClr val="lt1"/>
+            </a:fontRef>
+          </p:style>
+          <p:txBody>
+            <a:bodyPr rtlCol="0" anchor="ctr"/>
+            <a:lstStyle/>
+            <a:p>
+              <a:pPr algn="ctr"/>
+              <a:endParaRPr lang="en-US"/>
+            </a:p>
+          </p:txBody>
+        </p:sp>
+      </p:grpSp>
+      <p:grpSp>
+        <p:nvGrpSpPr>
+          <p:cNvPr id="67" name="Group 66"/>
+          <p:cNvGrpSpPr/>
           <p:nvPr/>
-        </p:nvSpPr>
-        <p:spPr>
+        </p:nvGrpSpPr>
+        <p:grpSpPr>
           <a:xfrm>
-            <a:off x="7772401" y="4937760"/>
-            <a:ext cx="411480" cy="411480"/>
+            <a:off x="7805097" y="3017521"/>
+            <a:ext cx="4158303" cy="411479"/>
+            <a:chOff x="7772401" y="1661162"/>
+            <a:chExt cx="4158303" cy="411479"/>
           </a:xfrm>
-          <a:prstGeom prst="star5">
-            <a:avLst/>
-          </a:prstGeom>
-          <a:solidFill>
-            <a:srgbClr val="7F7F7F"/>
-          </a:solidFill>
-          <a:ln w="3175">
+        </p:grpSpPr>
+        <p:sp>
+          <p:nvSpPr>
+            <p:cNvPr id="68" name="NCEI_STAR_RATING"/>
+            <p:cNvSpPr/>
+            <p:nvPr/>
+          </p:nvSpPr>
+          <p:spPr>
+            <a:xfrm>
+              <a:off x="7772401" y="1661162"/>
+              <a:ext cx="411478" cy="411479"/>
+            </a:xfrm>
+            <a:prstGeom prst="star5">
+              <a:avLst/>
+            </a:prstGeom>
             <a:solidFill>
-              <a:srgbClr val="7F7F7F"/>
+              <a:srgbClr val="FFFFFF"/>
             </a:solidFill>
-          </a:ln>
-        </p:spPr>
-        <p:style>
-          <a:lnRef idx="2">
-            <a:schemeClr val="accent1">
-              <a:shade val="50000"/>
-            </a:schemeClr>
-          </a:lnRef>
-          <a:fillRef idx="1">
-            <a:schemeClr val="accent1"/>
-          </a:fillRef>
-          <a:effectRef idx="0">
-            <a:schemeClr val="accent1"/>
-          </a:effectRef>
-          <a:fontRef idx="minor">
-            <a:schemeClr val="lt1"/>
-          </a:fontRef>
-        </p:style>
-        <p:txBody>
-          <a:bodyPr rtlCol="0" anchor="ctr"/>
-          <a:lstStyle/>
-          <a:p>
-            <a:pPr algn="ctr"/>
-            <a:endParaRPr lang="en-US"/>
-          </a:p>
-        </p:txBody>
-      </p:sp>
-      <p:sp>
-        <p:nvSpPr>
-          <p:cNvPr id="29" name="NCEI_STAR_RATING"/>
-          <p:cNvSpPr/>
+            <a:ln w="3175">
+              <a:solidFill>
+                <a:srgbClr val="7F7F7F"/>
+              </a:solidFill>
+            </a:ln>
+          </p:spPr>
+          <p:style>
+            <a:lnRef idx="2">
+              <a:schemeClr val="accent1">
+                <a:shade val="50000"/>
+              </a:schemeClr>
+            </a:lnRef>
+            <a:fillRef idx="1">
+              <a:schemeClr val="accent1"/>
+            </a:fillRef>
+            <a:effectRef idx="0">
+              <a:schemeClr val="accent1"/>
+            </a:effectRef>
+            <a:fontRef idx="minor">
+              <a:schemeClr val="lt1"/>
+            </a:fontRef>
+          </p:style>
+          <p:txBody>
+            <a:bodyPr rtlCol="0" anchor="ctr"/>
+            <a:lstStyle/>
+            <a:p>
+              <a:pPr algn="ctr"/>
+              <a:endParaRPr lang="en-US"/>
+            </a:p>
+          </p:txBody>
+        </p:sp>
+        <p:sp>
+          <p:nvSpPr>
+            <p:cNvPr id="69" name="NCEI_STAR_RATING"/>
+            <p:cNvSpPr/>
+            <p:nvPr/>
+          </p:nvSpPr>
+          <p:spPr>
+            <a:xfrm>
+              <a:off x="8747369" y="1661162"/>
+              <a:ext cx="411478" cy="411479"/>
+            </a:xfrm>
+            <a:prstGeom prst="star5">
+              <a:avLst/>
+            </a:prstGeom>
+            <a:solidFill>
+              <a:srgbClr val="FFFFFF"/>
+            </a:solidFill>
+            <a:ln w="3175">
+              <a:solidFill>
+                <a:srgbClr val="7F7F7F"/>
+              </a:solidFill>
+            </a:ln>
+          </p:spPr>
+          <p:style>
+            <a:lnRef idx="2">
+              <a:schemeClr val="accent1">
+                <a:shade val="50000"/>
+              </a:schemeClr>
+            </a:lnRef>
+            <a:fillRef idx="1">
+              <a:schemeClr val="accent1"/>
+            </a:fillRef>
+            <a:effectRef idx="0">
+              <a:schemeClr val="accent1"/>
+            </a:effectRef>
+            <a:fontRef idx="minor">
+              <a:schemeClr val="lt1"/>
+            </a:fontRef>
+          </p:style>
+          <p:txBody>
+            <a:bodyPr rtlCol="0" anchor="ctr"/>
+            <a:lstStyle/>
+            <a:p>
+              <a:pPr algn="ctr"/>
+              <a:endParaRPr lang="en-US"/>
+            </a:p>
+          </p:txBody>
+        </p:sp>
+        <p:sp>
+          <p:nvSpPr>
+            <p:cNvPr id="70" name="NCEI_STAR_RATING"/>
+            <p:cNvSpPr/>
+            <p:nvPr/>
+          </p:nvSpPr>
+          <p:spPr>
+            <a:xfrm>
+              <a:off x="9622692" y="1661162"/>
+              <a:ext cx="411478" cy="411479"/>
+            </a:xfrm>
+            <a:prstGeom prst="star5">
+              <a:avLst/>
+            </a:prstGeom>
+            <a:solidFill>
+              <a:srgbClr val="FFFFFF"/>
+            </a:solidFill>
+            <a:ln w="3175">
+              <a:solidFill>
+                <a:srgbClr val="7F7F7F"/>
+              </a:solidFill>
+            </a:ln>
+          </p:spPr>
+          <p:style>
+            <a:lnRef idx="2">
+              <a:schemeClr val="accent1">
+                <a:shade val="50000"/>
+              </a:schemeClr>
+            </a:lnRef>
+            <a:fillRef idx="1">
+              <a:schemeClr val="accent1"/>
+            </a:fillRef>
+            <a:effectRef idx="0">
+              <a:schemeClr val="accent1"/>
+            </a:effectRef>
+            <a:fontRef idx="minor">
+              <a:schemeClr val="lt1"/>
+            </a:fontRef>
+          </p:style>
+          <p:txBody>
+            <a:bodyPr rtlCol="0" anchor="ctr"/>
+            <a:lstStyle/>
+            <a:p>
+              <a:pPr algn="ctr"/>
+              <a:endParaRPr lang="en-US"/>
+            </a:p>
+          </p:txBody>
+        </p:sp>
+        <p:sp>
+          <p:nvSpPr>
+            <p:cNvPr id="71" name="NCEI_STAR_RATING"/>
+            <p:cNvSpPr/>
+            <p:nvPr/>
+          </p:nvSpPr>
+          <p:spPr>
+            <a:xfrm>
+              <a:off x="10570959" y="1661162"/>
+              <a:ext cx="411478" cy="411479"/>
+            </a:xfrm>
+            <a:prstGeom prst="star5">
+              <a:avLst/>
+            </a:prstGeom>
+            <a:solidFill>
+              <a:srgbClr val="FFFFFF"/>
+            </a:solidFill>
+            <a:ln w="3175">
+              <a:solidFill>
+                <a:srgbClr val="7F7F7F"/>
+              </a:solidFill>
+            </a:ln>
+          </p:spPr>
+          <p:style>
+            <a:lnRef idx="2">
+              <a:schemeClr val="accent1">
+                <a:shade val="50000"/>
+              </a:schemeClr>
+            </a:lnRef>
+            <a:fillRef idx="1">
+              <a:schemeClr val="accent1"/>
+            </a:fillRef>
+            <a:effectRef idx="0">
+              <a:schemeClr val="accent1"/>
+            </a:effectRef>
+            <a:fontRef idx="minor">
+              <a:schemeClr val="lt1"/>
+            </a:fontRef>
+          </p:style>
+          <p:txBody>
+            <a:bodyPr rtlCol="0" anchor="ctr"/>
+            <a:lstStyle/>
+            <a:p>
+              <a:pPr algn="ctr"/>
+              <a:endParaRPr lang="en-US"/>
+            </a:p>
+          </p:txBody>
+        </p:sp>
+        <p:sp>
+          <p:nvSpPr>
+            <p:cNvPr id="72" name="NCEI_STAR_RATING"/>
+            <p:cNvSpPr/>
+            <p:nvPr/>
+          </p:nvSpPr>
+          <p:spPr>
+            <a:xfrm>
+              <a:off x="11519226" y="1661162"/>
+              <a:ext cx="411478" cy="411479"/>
+            </a:xfrm>
+            <a:prstGeom prst="star5">
+              <a:avLst/>
+            </a:prstGeom>
+            <a:solidFill>
+              <a:srgbClr val="FFFFFF"/>
+            </a:solidFill>
+            <a:ln w="3175">
+              <a:solidFill>
+                <a:srgbClr val="7F7F7F"/>
+              </a:solidFill>
+            </a:ln>
+          </p:spPr>
+          <p:style>
+            <a:lnRef idx="2">
+              <a:schemeClr val="accent1">
+                <a:shade val="50000"/>
+              </a:schemeClr>
+            </a:lnRef>
+            <a:fillRef idx="1">
+              <a:schemeClr val="accent1"/>
+            </a:fillRef>
+            <a:effectRef idx="0">
+              <a:schemeClr val="accent1"/>
+            </a:effectRef>
+            <a:fontRef idx="minor">
+              <a:schemeClr val="lt1"/>
+            </a:fontRef>
+          </p:style>
+          <p:txBody>
+            <a:bodyPr rtlCol="0" anchor="ctr"/>
+            <a:lstStyle/>
+            <a:p>
+              <a:pPr algn="ctr"/>
+              <a:endParaRPr lang="en-US"/>
+            </a:p>
+          </p:txBody>
+        </p:sp>
+      </p:grpSp>
+      <p:grpSp>
+        <p:nvGrpSpPr>
+          <p:cNvPr id="73" name="Group 72"/>
+          <p:cNvGrpSpPr/>
           <p:nvPr/>
-        </p:nvSpPr>
-        <p:spPr>
+        </p:nvGrpSpPr>
+        <p:grpSpPr>
           <a:xfrm>
-            <a:off x="8747369" y="4937760"/>
-            <a:ext cx="411480" cy="411480"/>
+            <a:off x="7848600" y="3657600"/>
+            <a:ext cx="4158303" cy="411479"/>
+            <a:chOff x="7772401" y="1661162"/>
+            <a:chExt cx="4158303" cy="411479"/>
           </a:xfrm>
-          <a:prstGeom prst="star5">
-            <a:avLst/>
-          </a:prstGeom>
-          <a:solidFill>
-            <a:srgbClr val="7F7F7F"/>
-          </a:solidFill>
-          <a:ln w="3175">
+        </p:grpSpPr>
+        <p:sp>
+          <p:nvSpPr>
+            <p:cNvPr id="74" name="NCEI_STAR_RATING"/>
+            <p:cNvSpPr/>
+            <p:nvPr/>
+          </p:nvSpPr>
+          <p:spPr>
+            <a:xfrm>
+              <a:off x="7772401" y="1661162"/>
+              <a:ext cx="411478" cy="411479"/>
+            </a:xfrm>
+            <a:prstGeom prst="star5">
+              <a:avLst/>
+            </a:prstGeom>
             <a:solidFill>
-              <a:srgbClr val="7F7F7F"/>
+              <a:srgbClr val="FFFFFF"/>
             </a:solidFill>
-          </a:ln>
-        </p:spPr>
-        <p:style>
-          <a:lnRef idx="2">
-            <a:schemeClr val="accent1">
-              <a:shade val="50000"/>
-            </a:schemeClr>
-          </a:lnRef>
-          <a:fillRef idx="1">
-            <a:schemeClr val="accent1"/>
-          </a:fillRef>
-          <a:effectRef idx="0">
-            <a:schemeClr val="accent1"/>
-          </a:effectRef>
-          <a:fontRef idx="minor">
-            <a:schemeClr val="lt1"/>
-          </a:fontRef>
-        </p:style>
-        <p:txBody>
-          <a:bodyPr rtlCol="0" anchor="ctr"/>
-          <a:lstStyle/>
-          <a:p>
-            <a:pPr algn="ctr"/>
-            <a:endParaRPr lang="en-US"/>
-          </a:p>
-        </p:txBody>
-      </p:sp>
-      <p:sp>
-        <p:nvSpPr>
-          <p:cNvPr id="30" name="NCEI_STAR_RATING"/>
-          <p:cNvSpPr/>
+            <a:ln w="3175">
+              <a:solidFill>
+                <a:srgbClr val="7F7F7F"/>
+              </a:solidFill>
+            </a:ln>
+          </p:spPr>
+          <p:style>
+            <a:lnRef idx="2">
+              <a:schemeClr val="accent1">
+                <a:shade val="50000"/>
+              </a:schemeClr>
+            </a:lnRef>
+            <a:fillRef idx="1">
+              <a:schemeClr val="accent1"/>
+            </a:fillRef>
+            <a:effectRef idx="0">
+              <a:schemeClr val="accent1"/>
+            </a:effectRef>
+            <a:fontRef idx="minor">
+              <a:schemeClr val="lt1"/>
+            </a:fontRef>
+          </p:style>
+          <p:txBody>
+            <a:bodyPr rtlCol="0" anchor="ctr"/>
+            <a:lstStyle/>
+            <a:p>
+              <a:pPr algn="ctr"/>
+              <a:endParaRPr lang="en-US"/>
+            </a:p>
+          </p:txBody>
+        </p:sp>
+        <p:sp>
+          <p:nvSpPr>
+            <p:cNvPr id="75" name="NCEI_STAR_RATING"/>
+            <p:cNvSpPr/>
+            <p:nvPr/>
+          </p:nvSpPr>
+          <p:spPr>
+            <a:xfrm>
+              <a:off x="8747369" y="1661162"/>
+              <a:ext cx="411478" cy="411479"/>
+            </a:xfrm>
+            <a:prstGeom prst="star5">
+              <a:avLst/>
+            </a:prstGeom>
+            <a:solidFill>
+              <a:srgbClr val="FFFFFF"/>
+            </a:solidFill>
+            <a:ln w="3175">
+              <a:solidFill>
+                <a:srgbClr val="7F7F7F"/>
+              </a:solidFill>
+            </a:ln>
+          </p:spPr>
+          <p:style>
+            <a:lnRef idx="2">
+              <a:schemeClr val="accent1">
+                <a:shade val="50000"/>
+              </a:schemeClr>
+            </a:lnRef>
+            <a:fillRef idx="1">
+              <a:schemeClr val="accent1"/>
+            </a:fillRef>
+            <a:effectRef idx="0">
+              <a:schemeClr val="accent1"/>
+            </a:effectRef>
+            <a:fontRef idx="minor">
+              <a:schemeClr val="lt1"/>
+            </a:fontRef>
+          </p:style>
+          <p:txBody>
+            <a:bodyPr rtlCol="0" anchor="ctr"/>
+            <a:lstStyle/>
+            <a:p>
+              <a:pPr algn="ctr"/>
+              <a:endParaRPr lang="en-US"/>
+            </a:p>
+          </p:txBody>
+        </p:sp>
+        <p:sp>
+          <p:nvSpPr>
+            <p:cNvPr id="76" name="NCEI_STAR_RATING"/>
+            <p:cNvSpPr/>
+            <p:nvPr/>
+          </p:nvSpPr>
+          <p:spPr>
+            <a:xfrm>
+              <a:off x="9622692" y="1661162"/>
+              <a:ext cx="411478" cy="411479"/>
+            </a:xfrm>
+            <a:prstGeom prst="star5">
+              <a:avLst/>
+            </a:prstGeom>
+            <a:solidFill>
+              <a:srgbClr val="FFFFFF"/>
+            </a:solidFill>
+            <a:ln w="3175">
+              <a:solidFill>
+                <a:srgbClr val="7F7F7F"/>
+              </a:solidFill>
+            </a:ln>
+          </p:spPr>
+          <p:style>
+            <a:lnRef idx="2">
+              <a:schemeClr val="accent1">
+                <a:shade val="50000"/>
+              </a:schemeClr>
+            </a:lnRef>
+            <a:fillRef idx="1">
+              <a:schemeClr val="accent1"/>
+            </a:fillRef>
+            <a:effectRef idx="0">
+              <a:schemeClr val="accent1"/>
+            </a:effectRef>
+            <a:fontRef idx="minor">
+              <a:schemeClr val="lt1"/>
+            </a:fontRef>
+          </p:style>
+          <p:txBody>
+            <a:bodyPr rtlCol="0" anchor="ctr"/>
+            <a:lstStyle/>
+            <a:p>
+              <a:pPr algn="ctr"/>
+              <a:endParaRPr lang="en-US"/>
+            </a:p>
+          </p:txBody>
+        </p:sp>
+        <p:sp>
+          <p:nvSpPr>
+            <p:cNvPr id="77" name="NCEI_STAR_RATING"/>
+            <p:cNvSpPr/>
+            <p:nvPr/>
+          </p:nvSpPr>
+          <p:spPr>
+            <a:xfrm>
+              <a:off x="10570959" y="1661162"/>
+              <a:ext cx="411478" cy="411479"/>
+            </a:xfrm>
+            <a:prstGeom prst="star5">
+              <a:avLst/>
+            </a:prstGeom>
+            <a:solidFill>
+              <a:srgbClr val="FFFFFF"/>
+            </a:solidFill>
+            <a:ln w="3175">
+              <a:solidFill>
+                <a:srgbClr val="7F7F7F"/>
+              </a:solidFill>
+            </a:ln>
+          </p:spPr>
+          <p:style>
+            <a:lnRef idx="2">
+              <a:schemeClr val="accent1">
+                <a:shade val="50000"/>
+              </a:schemeClr>
+            </a:lnRef>
+            <a:fillRef idx="1">
+              <a:schemeClr val="accent1"/>
+            </a:fillRef>
+            <a:effectRef idx="0">
+              <a:schemeClr val="accent1"/>
+            </a:effectRef>
+            <a:fontRef idx="minor">
+              <a:schemeClr val="lt1"/>
+            </a:fontRef>
+          </p:style>
+          <p:txBody>
+            <a:bodyPr rtlCol="0" anchor="ctr"/>
+            <a:lstStyle/>
+            <a:p>
+              <a:pPr algn="ctr"/>
+              <a:endParaRPr lang="en-US"/>
+            </a:p>
+          </p:txBody>
+        </p:sp>
+        <p:sp>
+          <p:nvSpPr>
+            <p:cNvPr id="78" name="NCEI_STAR_RATING"/>
+            <p:cNvSpPr/>
+            <p:nvPr/>
+          </p:nvSpPr>
+          <p:spPr>
+            <a:xfrm>
+              <a:off x="11519226" y="1661162"/>
+              <a:ext cx="411478" cy="411479"/>
+            </a:xfrm>
+            <a:prstGeom prst="star5">
+              <a:avLst/>
+            </a:prstGeom>
+            <a:solidFill>
+              <a:srgbClr val="FFFFFF"/>
+            </a:solidFill>
+            <a:ln w="3175">
+              <a:solidFill>
+                <a:srgbClr val="7F7F7F"/>
+              </a:solidFill>
+            </a:ln>
+          </p:spPr>
+          <p:style>
+            <a:lnRef idx="2">
+              <a:schemeClr val="accent1">
+                <a:shade val="50000"/>
+              </a:schemeClr>
+            </a:lnRef>
+            <a:fillRef idx="1">
+              <a:schemeClr val="accent1"/>
+            </a:fillRef>
+            <a:effectRef idx="0">
+              <a:schemeClr val="accent1"/>
+            </a:effectRef>
+            <a:fontRef idx="minor">
+              <a:schemeClr val="lt1"/>
+            </a:fontRef>
+          </p:style>
+          <p:txBody>
+            <a:bodyPr rtlCol="0" anchor="ctr"/>
+            <a:lstStyle/>
+            <a:p>
+              <a:pPr algn="ctr"/>
+              <a:endParaRPr lang="en-US"/>
+            </a:p>
+          </p:txBody>
+        </p:sp>
+      </p:grpSp>
+      <p:grpSp>
+        <p:nvGrpSpPr>
+          <p:cNvPr id="79" name="Group 78"/>
+          <p:cNvGrpSpPr/>
           <p:nvPr/>
-        </p:nvSpPr>
-        <p:spPr>
+        </p:nvGrpSpPr>
+        <p:grpSpPr>
           <a:xfrm>
-            <a:off x="9622692" y="4937760"/>
-            <a:ext cx="411480" cy="411480"/>
+            <a:off x="7848600" y="4389121"/>
+            <a:ext cx="4158303" cy="411479"/>
+            <a:chOff x="7772401" y="1661162"/>
+            <a:chExt cx="4158303" cy="411479"/>
           </a:xfrm>
-          <a:prstGeom prst="star5">
-            <a:avLst/>
-          </a:prstGeom>
-          <a:solidFill>
-            <a:srgbClr val="BFBFBF"/>
-          </a:solidFill>
-          <a:ln w="3175">
+        </p:grpSpPr>
+        <p:sp>
+          <p:nvSpPr>
+            <p:cNvPr id="80" name="NCEI_STAR_RATING"/>
+            <p:cNvSpPr/>
+            <p:nvPr/>
+          </p:nvSpPr>
+          <p:spPr>
+            <a:xfrm>
+              <a:off x="7772401" y="1661162"/>
+              <a:ext cx="411478" cy="411479"/>
+            </a:xfrm>
+            <a:prstGeom prst="star5">
+              <a:avLst/>
+            </a:prstGeom>
             <a:solidFill>
-              <a:srgbClr val="BFBFBF"/>
+              <a:srgbClr val="FFFFFF"/>
             </a:solidFill>
-          </a:ln>
-        </p:spPr>
-        <p:style>
-          <a:lnRef idx="2">
-            <a:schemeClr val="accent1">
-              <a:shade val="50000"/>
-            </a:schemeClr>
-          </a:lnRef>
-          <a:fillRef idx="1">
-            <a:schemeClr val="accent1"/>
-          </a:fillRef>
-          <a:effectRef idx="0">
-            <a:schemeClr val="accent1"/>
-          </a:effectRef>
-          <a:fontRef idx="minor">
-            <a:schemeClr val="lt1"/>
-          </a:fontRef>
-        </p:style>
-        <p:txBody>
-          <a:bodyPr rtlCol="0" anchor="ctr"/>
-          <a:lstStyle/>
-          <a:p>
-            <a:pPr algn="ctr"/>
-            <a:endParaRPr lang="en-US"/>
-          </a:p>
-        </p:txBody>
-      </p:sp>
-      <p:sp>
-        <p:nvSpPr>
-          <p:cNvPr id="31" name="NCEI_STAR_RATING"/>
-          <p:cNvSpPr/>
+            <a:ln w="3175">
+              <a:solidFill>
+                <a:srgbClr val="7F7F7F"/>
+              </a:solidFill>
+            </a:ln>
+          </p:spPr>
+          <p:style>
+            <a:lnRef idx="2">
+              <a:schemeClr val="accent1">
+                <a:shade val="50000"/>
+              </a:schemeClr>
+            </a:lnRef>
+            <a:fillRef idx="1">
+              <a:schemeClr val="accent1"/>
+            </a:fillRef>
+            <a:effectRef idx="0">
+              <a:schemeClr val="accent1"/>
+            </a:effectRef>
+            <a:fontRef idx="minor">
+              <a:schemeClr val="lt1"/>
+            </a:fontRef>
+          </p:style>
+          <p:txBody>
+            <a:bodyPr rtlCol="0" anchor="ctr"/>
+            <a:lstStyle/>
+            <a:p>
+              <a:pPr algn="ctr"/>
+              <a:endParaRPr lang="en-US"/>
+            </a:p>
+          </p:txBody>
+        </p:sp>
+        <p:sp>
+          <p:nvSpPr>
+            <p:cNvPr id="81" name="NCEI_STAR_RATING"/>
+            <p:cNvSpPr/>
+            <p:nvPr/>
+          </p:nvSpPr>
+          <p:spPr>
+            <a:xfrm>
+              <a:off x="8747369" y="1661162"/>
+              <a:ext cx="411478" cy="411479"/>
+            </a:xfrm>
+            <a:prstGeom prst="star5">
+              <a:avLst/>
+            </a:prstGeom>
+            <a:solidFill>
+              <a:srgbClr val="FFFFFF"/>
+            </a:solidFill>
+            <a:ln w="3175">
+              <a:solidFill>
+                <a:srgbClr val="7F7F7F"/>
+              </a:solidFill>
+            </a:ln>
+          </p:spPr>
+          <p:style>
+            <a:lnRef idx="2">
+              <a:schemeClr val="accent1">
+                <a:shade val="50000"/>
+              </a:schemeClr>
+            </a:lnRef>
+            <a:fillRef idx="1">
+              <a:schemeClr val="accent1"/>
+            </a:fillRef>
+            <a:effectRef idx="0">
+              <a:schemeClr val="accent1"/>
+            </a:effectRef>
+            <a:fontRef idx="minor">
+              <a:schemeClr val="lt1"/>
+            </a:fontRef>
+          </p:style>
+          <p:txBody>
+            <a:bodyPr rtlCol="0" anchor="ctr"/>
+            <a:lstStyle/>
+            <a:p>
+              <a:pPr algn="ctr"/>
+              <a:endParaRPr lang="en-US"/>
+            </a:p>
+          </p:txBody>
+        </p:sp>
+        <p:sp>
+          <p:nvSpPr>
+            <p:cNvPr id="82" name="NCEI_STAR_RATING"/>
+            <p:cNvSpPr/>
+            <p:nvPr/>
+          </p:nvSpPr>
+          <p:spPr>
+            <a:xfrm>
+              <a:off x="9622692" y="1661162"/>
+              <a:ext cx="411478" cy="411479"/>
+            </a:xfrm>
+            <a:prstGeom prst="star5">
+              <a:avLst/>
+            </a:prstGeom>
+            <a:solidFill>
+              <a:srgbClr val="FFFFFF"/>
+            </a:solidFill>
+            <a:ln w="3175">
+              <a:solidFill>
+                <a:srgbClr val="7F7F7F"/>
+              </a:solidFill>
+            </a:ln>
+          </p:spPr>
+          <p:style>
+            <a:lnRef idx="2">
+              <a:schemeClr val="accent1">
+                <a:shade val="50000"/>
+              </a:schemeClr>
+            </a:lnRef>
+            <a:fillRef idx="1">
+              <a:schemeClr val="accent1"/>
+            </a:fillRef>
+            <a:effectRef idx="0">
+              <a:schemeClr val="accent1"/>
+            </a:effectRef>
+            <a:fontRef idx="minor">
+              <a:schemeClr val="lt1"/>
+            </a:fontRef>
+          </p:style>
+          <p:txBody>
+            <a:bodyPr rtlCol="0" anchor="ctr"/>
+            <a:lstStyle/>
+            <a:p>
+              <a:pPr algn="ctr"/>
+              <a:endParaRPr lang="en-US"/>
+            </a:p>
+          </p:txBody>
+        </p:sp>
+        <p:sp>
+          <p:nvSpPr>
+            <p:cNvPr id="83" name="NCEI_STAR_RATING"/>
+            <p:cNvSpPr/>
+            <p:nvPr/>
+          </p:nvSpPr>
+          <p:spPr>
+            <a:xfrm>
+              <a:off x="10570959" y="1661162"/>
+              <a:ext cx="411478" cy="411479"/>
+            </a:xfrm>
+            <a:prstGeom prst="star5">
+              <a:avLst/>
+            </a:prstGeom>
+            <a:solidFill>
+              <a:srgbClr val="FFFFFF"/>
+            </a:solidFill>
+            <a:ln w="3175">
+              <a:solidFill>
+                <a:srgbClr val="7F7F7F"/>
+              </a:solidFill>
+            </a:ln>
+          </p:spPr>
+          <p:style>
+            <a:lnRef idx="2">
+              <a:schemeClr val="accent1">
+                <a:shade val="50000"/>
+              </a:schemeClr>
+            </a:lnRef>
+            <a:fillRef idx="1">
+              <a:schemeClr val="accent1"/>
+            </a:fillRef>
+            <a:effectRef idx="0">
+              <a:schemeClr val="accent1"/>
+            </a:effectRef>
+            <a:fontRef idx="minor">
+              <a:schemeClr val="lt1"/>
+            </a:fontRef>
+          </p:style>
+          <p:txBody>
+            <a:bodyPr rtlCol="0" anchor="ctr"/>
+            <a:lstStyle/>
+            <a:p>
+              <a:pPr algn="ctr"/>
+              <a:endParaRPr lang="en-US"/>
+            </a:p>
+          </p:txBody>
+        </p:sp>
+        <p:sp>
+          <p:nvSpPr>
+            <p:cNvPr id="84" name="NCEI_STAR_RATING"/>
+            <p:cNvSpPr/>
+            <p:nvPr/>
+          </p:nvSpPr>
+          <p:spPr>
+            <a:xfrm>
+              <a:off x="11519226" y="1661162"/>
+              <a:ext cx="411478" cy="411479"/>
+            </a:xfrm>
+            <a:prstGeom prst="star5">
+              <a:avLst/>
+            </a:prstGeom>
+            <a:solidFill>
+              <a:srgbClr val="FFFFFF"/>
+            </a:solidFill>
+            <a:ln w="3175">
+              <a:solidFill>
+                <a:srgbClr val="7F7F7F"/>
+              </a:solidFill>
+            </a:ln>
+          </p:spPr>
+          <p:style>
+            <a:lnRef idx="2">
+              <a:schemeClr val="accent1">
+                <a:shade val="50000"/>
+              </a:schemeClr>
+            </a:lnRef>
+            <a:fillRef idx="1">
+              <a:schemeClr val="accent1"/>
+            </a:fillRef>
+            <a:effectRef idx="0">
+              <a:schemeClr val="accent1"/>
+            </a:effectRef>
+            <a:fontRef idx="minor">
+              <a:schemeClr val="lt1"/>
+            </a:fontRef>
+          </p:style>
+          <p:txBody>
+            <a:bodyPr rtlCol="0" anchor="ctr"/>
+            <a:lstStyle/>
+            <a:p>
+              <a:pPr algn="ctr"/>
+              <a:endParaRPr lang="en-US"/>
+            </a:p>
+          </p:txBody>
+        </p:sp>
+      </p:grpSp>
+      <p:grpSp>
+        <p:nvGrpSpPr>
+          <p:cNvPr id="85" name="Group 84"/>
+          <p:cNvGrpSpPr/>
           <p:nvPr/>
-        </p:nvSpPr>
-        <p:spPr>
+        </p:nvGrpSpPr>
+        <p:grpSpPr>
           <a:xfrm>
-            <a:off x="10570959" y="4937760"/>
-            <a:ext cx="411480" cy="411480"/>
+            <a:off x="7848600" y="5105400"/>
+            <a:ext cx="4158303" cy="411479"/>
+            <a:chOff x="7772401" y="1661162"/>
+            <a:chExt cx="4158303" cy="411479"/>
           </a:xfrm>
-          <a:prstGeom prst="star5">
-            <a:avLst/>
-          </a:prstGeom>
-          <a:solidFill>
-            <a:srgbClr val="FFFFFF"/>
-          </a:solidFill>
-          <a:ln w="3175">
+        </p:grpSpPr>
+        <p:sp>
+          <p:nvSpPr>
+            <p:cNvPr id="86" name="NCEI_STAR_RATING"/>
+            <p:cNvSpPr/>
+            <p:nvPr/>
+          </p:nvSpPr>
+          <p:spPr>
+            <a:xfrm>
+              <a:off x="7772401" y="1661162"/>
+              <a:ext cx="411478" cy="411479"/>
+            </a:xfrm>
+            <a:prstGeom prst="star5">
+              <a:avLst/>
+            </a:prstGeom>
             <a:solidFill>
-              <a:srgbClr val="7F7F7F"/>
+              <a:srgbClr val="FFFFFF"/>
             </a:solidFill>
-          </a:ln>
-        </p:spPr>
-        <p:style>
-          <a:lnRef idx="2">
-            <a:schemeClr val="accent1">
-              <a:shade val="50000"/>
-            </a:schemeClr>
-          </a:lnRef>
-          <a:fillRef idx="1">
-            <a:schemeClr val="accent1"/>
-          </a:fillRef>
-          <a:effectRef idx="0">
-            <a:schemeClr val="accent1"/>
-          </a:effectRef>
-          <a:fontRef idx="minor">
-            <a:schemeClr val="lt1"/>
-          </a:fontRef>
-        </p:style>
-        <p:txBody>
-          <a:bodyPr rtlCol="0" anchor="ctr"/>
-          <a:lstStyle/>
-          <a:p>
-            <a:pPr algn="ctr"/>
-            <a:endParaRPr lang="en-US"/>
-          </a:p>
-        </p:txBody>
-      </p:sp>
-      <p:sp>
-        <p:nvSpPr>
-          <p:cNvPr id="251" name="NCEI_STAR_RATING"/>
-          <p:cNvSpPr/>
+            <a:ln w="3175">
+              <a:solidFill>
+                <a:srgbClr val="7F7F7F"/>
+              </a:solidFill>
+            </a:ln>
+          </p:spPr>
+          <p:style>
+            <a:lnRef idx="2">
+              <a:schemeClr val="accent1">
+                <a:shade val="50000"/>
+              </a:schemeClr>
+            </a:lnRef>
+            <a:fillRef idx="1">
+              <a:schemeClr val="accent1"/>
+            </a:fillRef>
+            <a:effectRef idx="0">
+              <a:schemeClr val="accent1"/>
+            </a:effectRef>
+            <a:fontRef idx="minor">
+              <a:schemeClr val="lt1"/>
+            </a:fontRef>
+          </p:style>
+          <p:txBody>
+            <a:bodyPr rtlCol="0" anchor="ctr"/>
+            <a:lstStyle/>
+            <a:p>
+              <a:pPr algn="ctr"/>
+              <a:endParaRPr lang="en-US"/>
+            </a:p>
+          </p:txBody>
+        </p:sp>
+        <p:sp>
+          <p:nvSpPr>
+            <p:cNvPr id="87" name="NCEI_STAR_RATING"/>
+            <p:cNvSpPr/>
+            <p:nvPr/>
+          </p:nvSpPr>
+          <p:spPr>
+            <a:xfrm>
+              <a:off x="8747369" y="1661162"/>
+              <a:ext cx="411478" cy="411479"/>
+            </a:xfrm>
+            <a:prstGeom prst="star5">
+              <a:avLst/>
+            </a:prstGeom>
+            <a:solidFill>
+              <a:srgbClr val="FFFFFF"/>
+            </a:solidFill>
+            <a:ln w="3175">
+              <a:solidFill>
+                <a:srgbClr val="7F7F7F"/>
+              </a:solidFill>
+            </a:ln>
+          </p:spPr>
+          <p:style>
+            <a:lnRef idx="2">
+              <a:schemeClr val="accent1">
+                <a:shade val="50000"/>
+              </a:schemeClr>
+            </a:lnRef>
+            <a:fillRef idx="1">
+              <a:schemeClr val="accent1"/>
+            </a:fillRef>
+            <a:effectRef idx="0">
+              <a:schemeClr val="accent1"/>
+            </a:effectRef>
+            <a:fontRef idx="minor">
+              <a:schemeClr val="lt1"/>
+            </a:fontRef>
+          </p:style>
+          <p:txBody>
+            <a:bodyPr rtlCol="0" anchor="ctr"/>
+            <a:lstStyle/>
+            <a:p>
+              <a:pPr algn="ctr"/>
+              <a:endParaRPr lang="en-US"/>
+            </a:p>
+          </p:txBody>
+        </p:sp>
+        <p:sp>
+          <p:nvSpPr>
+            <p:cNvPr id="88" name="NCEI_STAR_RATING"/>
+            <p:cNvSpPr/>
+            <p:nvPr/>
+          </p:nvSpPr>
+          <p:spPr>
+            <a:xfrm>
+              <a:off x="9622692" y="1661162"/>
+              <a:ext cx="411478" cy="411479"/>
+            </a:xfrm>
+            <a:prstGeom prst="star5">
+              <a:avLst/>
+            </a:prstGeom>
+            <a:solidFill>
+              <a:srgbClr val="FFFFFF"/>
+            </a:solidFill>
+            <a:ln w="3175">
+              <a:solidFill>
+                <a:srgbClr val="7F7F7F"/>
+              </a:solidFill>
+            </a:ln>
+          </p:spPr>
+          <p:style>
+            <a:lnRef idx="2">
+              <a:schemeClr val="accent1">
+                <a:shade val="50000"/>
+              </a:schemeClr>
+            </a:lnRef>
+            <a:fillRef idx="1">
+              <a:schemeClr val="accent1"/>
+            </a:fillRef>
+            <a:effectRef idx="0">
+              <a:schemeClr val="accent1"/>
+            </a:effectRef>
+            <a:fontRef idx="minor">
+              <a:schemeClr val="lt1"/>
+            </a:fontRef>
+          </p:style>
+          <p:txBody>
+            <a:bodyPr rtlCol="0" anchor="ctr"/>
+            <a:lstStyle/>
+            <a:p>
+              <a:pPr algn="ctr"/>
+              <a:endParaRPr lang="en-US"/>
+            </a:p>
+          </p:txBody>
+        </p:sp>
+        <p:sp>
+          <p:nvSpPr>
+            <p:cNvPr id="89" name="NCEI_STAR_RATING"/>
+            <p:cNvSpPr/>
+            <p:nvPr/>
+          </p:nvSpPr>
+          <p:spPr>
+            <a:xfrm>
+              <a:off x="10570959" y="1661162"/>
+              <a:ext cx="411478" cy="411479"/>
+            </a:xfrm>
+            <a:prstGeom prst="star5">
+              <a:avLst/>
+            </a:prstGeom>
+            <a:solidFill>
+              <a:srgbClr val="FFFFFF"/>
+            </a:solidFill>
+            <a:ln w="3175">
+              <a:solidFill>
+                <a:srgbClr val="7F7F7F"/>
+              </a:solidFill>
+            </a:ln>
+          </p:spPr>
+          <p:style>
+            <a:lnRef idx="2">
+              <a:schemeClr val="accent1">
+                <a:shade val="50000"/>
+              </a:schemeClr>
+            </a:lnRef>
+            <a:fillRef idx="1">
+              <a:schemeClr val="accent1"/>
+            </a:fillRef>
+            <a:effectRef idx="0">
+              <a:schemeClr val="accent1"/>
+            </a:effectRef>
+            <a:fontRef idx="minor">
+              <a:schemeClr val="lt1"/>
+            </a:fontRef>
+          </p:style>
+          <p:txBody>
+            <a:bodyPr rtlCol="0" anchor="ctr"/>
+            <a:lstStyle/>
+            <a:p>
+              <a:pPr algn="ctr"/>
+              <a:endParaRPr lang="en-US"/>
+            </a:p>
+          </p:txBody>
+        </p:sp>
+        <p:sp>
+          <p:nvSpPr>
+            <p:cNvPr id="90" name="NCEI_STAR_RATING"/>
+            <p:cNvSpPr/>
+            <p:nvPr/>
+          </p:nvSpPr>
+          <p:spPr>
+            <a:xfrm>
+              <a:off x="11519226" y="1661162"/>
+              <a:ext cx="411478" cy="411479"/>
+            </a:xfrm>
+            <a:prstGeom prst="star5">
+              <a:avLst/>
+            </a:prstGeom>
+            <a:solidFill>
+              <a:srgbClr val="FFFFFF"/>
+            </a:solidFill>
+            <a:ln w="3175">
+              <a:solidFill>
+                <a:srgbClr val="7F7F7F"/>
+              </a:solidFill>
+            </a:ln>
+          </p:spPr>
+          <p:style>
+            <a:lnRef idx="2">
+              <a:schemeClr val="accent1">
+                <a:shade val="50000"/>
+              </a:schemeClr>
+            </a:lnRef>
+            <a:fillRef idx="1">
+              <a:schemeClr val="accent1"/>
+            </a:fillRef>
+            <a:effectRef idx="0">
+              <a:schemeClr val="accent1"/>
+            </a:effectRef>
+            <a:fontRef idx="minor">
+              <a:schemeClr val="lt1"/>
+            </a:fontRef>
+          </p:style>
+          <p:txBody>
+            <a:bodyPr rtlCol="0" anchor="ctr"/>
+            <a:lstStyle/>
+            <a:p>
+              <a:pPr algn="ctr"/>
+              <a:endParaRPr lang="en-US"/>
+            </a:p>
+          </p:txBody>
+        </p:sp>
+      </p:grpSp>
+      <p:grpSp>
+        <p:nvGrpSpPr>
+          <p:cNvPr id="91" name="Group 90"/>
+          <p:cNvGrpSpPr/>
           <p:nvPr/>
-        </p:nvSpPr>
-        <p:spPr>
+        </p:nvGrpSpPr>
+        <p:grpSpPr>
           <a:xfrm>
-            <a:off x="11519226" y="4937760"/>
-            <a:ext cx="411481" cy="411480"/>
+            <a:off x="7848600" y="5760721"/>
+            <a:ext cx="4158303" cy="411479"/>
+            <a:chOff x="7772401" y="1661162"/>
+            <a:chExt cx="4158303" cy="411479"/>
           </a:xfrm>
-          <a:prstGeom prst="star5">
-            <a:avLst/>
-          </a:prstGeom>
-          <a:solidFill>
-            <a:srgbClr val="FFFFFF"/>
-          </a:solidFill>
-          <a:ln w="3175">
+        </p:grpSpPr>
+        <p:sp>
+          <p:nvSpPr>
+            <p:cNvPr id="92" name="NCEI_STAR_RATING"/>
+            <p:cNvSpPr/>
+            <p:nvPr/>
+          </p:nvSpPr>
+          <p:spPr>
+            <a:xfrm>
+              <a:off x="7772401" y="1661162"/>
+              <a:ext cx="411478" cy="411479"/>
+            </a:xfrm>
+            <a:prstGeom prst="star5">
+              <a:avLst/>
+            </a:prstGeom>
             <a:solidFill>
-              <a:srgbClr val="7F7F7F"/>
+              <a:srgbClr val="FFFFFF"/>
             </a:solidFill>
-          </a:ln>
-        </p:spPr>
-        <p:style>
-          <a:lnRef idx="2">
-            <a:schemeClr val="accent1">
-              <a:shade val="50000"/>
-            </a:schemeClr>
-          </a:lnRef>
-          <a:fillRef idx="1">
-            <a:schemeClr val="accent1"/>
-          </a:fillRef>
-          <a:effectRef idx="0">
-            <a:schemeClr val="accent1"/>
-          </a:effectRef>
-          <a:fontRef idx="minor">
-            <a:schemeClr val="lt1"/>
-          </a:fontRef>
-        </p:style>
-        <p:txBody>
-          <a:bodyPr rtlCol="0" anchor="ctr"/>
-          <a:lstStyle/>
-          <a:p>
-            <a:pPr algn="ctr"/>
-            <a:endParaRPr lang="en-US"/>
-          </a:p>
-        </p:txBody>
-      </p:sp>
-      <p:sp>
-        <p:nvSpPr>
-          <p:cNvPr id="252" name="NCEI_STAR_RATING"/>
-          <p:cNvSpPr/>
+            <a:ln w="3175">
+              <a:solidFill>
+                <a:srgbClr val="7F7F7F"/>
+              </a:solidFill>
+            </a:ln>
+          </p:spPr>
+          <p:style>
+            <a:lnRef idx="2">
+              <a:schemeClr val="accent1">
+                <a:shade val="50000"/>
+              </a:schemeClr>
+            </a:lnRef>
+            <a:fillRef idx="1">
+              <a:schemeClr val="accent1"/>
+            </a:fillRef>
+            <a:effectRef idx="0">
+              <a:schemeClr val="accent1"/>
+            </a:effectRef>
+            <a:fontRef idx="minor">
+              <a:schemeClr val="lt1"/>
+            </a:fontRef>
+          </p:style>
+          <p:txBody>
+            <a:bodyPr rtlCol="0" anchor="ctr"/>
+            <a:lstStyle/>
+            <a:p>
+              <a:pPr algn="ctr"/>
+              <a:endParaRPr lang="en-US"/>
+            </a:p>
+          </p:txBody>
+        </p:sp>
+        <p:sp>
+          <p:nvSpPr>
+            <p:cNvPr id="93" name="NCEI_STAR_RATING"/>
+            <p:cNvSpPr/>
+            <p:nvPr/>
+          </p:nvSpPr>
+          <p:spPr>
+            <a:xfrm>
+              <a:off x="8747369" y="1661162"/>
+              <a:ext cx="411478" cy="411479"/>
+            </a:xfrm>
+            <a:prstGeom prst="star5">
+              <a:avLst/>
+            </a:prstGeom>
+            <a:solidFill>
+              <a:srgbClr val="FFFFFF"/>
+            </a:solidFill>
+            <a:ln w="3175">
+              <a:solidFill>
+                <a:srgbClr val="7F7F7F"/>
+              </a:solidFill>
+            </a:ln>
+          </p:spPr>
+          <p:style>
+            <a:lnRef idx="2">
+              <a:schemeClr val="accent1">
+                <a:shade val="50000"/>
+              </a:schemeClr>
+            </a:lnRef>
+            <a:fillRef idx="1">
+              <a:schemeClr val="accent1"/>
+            </a:fillRef>
+            <a:effectRef idx="0">
+              <a:schemeClr val="accent1"/>
+            </a:effectRef>
+            <a:fontRef idx="minor">
+              <a:schemeClr val="lt1"/>
+            </a:fontRef>
+          </p:style>
+          <p:txBody>
+            <a:bodyPr rtlCol="0" anchor="ctr"/>
+            <a:lstStyle/>
+            <a:p>
+              <a:pPr algn="ctr"/>
+              <a:endParaRPr lang="en-US"/>
+            </a:p>
+          </p:txBody>
+        </p:sp>
+        <p:sp>
+          <p:nvSpPr>
+            <p:cNvPr id="94" name="NCEI_STAR_RATING"/>
+            <p:cNvSpPr/>
+            <p:nvPr/>
+          </p:nvSpPr>
+          <p:spPr>
+            <a:xfrm>
+              <a:off x="9622692" y="1661162"/>
+              <a:ext cx="411478" cy="411479"/>
+            </a:xfrm>
+            <a:prstGeom prst="star5">
+              <a:avLst/>
+            </a:prstGeom>
+            <a:solidFill>
+              <a:srgbClr val="FFFFFF"/>
+            </a:solidFill>
+            <a:ln w="3175">
+              <a:solidFill>
+                <a:srgbClr val="7F7F7F"/>
+              </a:solidFill>
+            </a:ln>
+          </p:spPr>
+          <p:style>
+            <a:lnRef idx="2">
+              <a:schemeClr val="accent1">
+                <a:shade val="50000"/>
+              </a:schemeClr>
+            </a:lnRef>
+            <a:fillRef idx="1">
+              <a:schemeClr val="accent1"/>
+            </a:fillRef>
+            <a:effectRef idx="0">
+              <a:schemeClr val="accent1"/>
+            </a:effectRef>
+            <a:fontRef idx="minor">
+              <a:schemeClr val="lt1"/>
+            </a:fontRef>
+          </p:style>
+          <p:txBody>
+            <a:bodyPr rtlCol="0" anchor="ctr"/>
+            <a:lstStyle/>
+            <a:p>
+              <a:pPr algn="ctr"/>
+              <a:endParaRPr lang="en-US"/>
+            </a:p>
+          </p:txBody>
+        </p:sp>
+        <p:sp>
+          <p:nvSpPr>
+            <p:cNvPr id="95" name="NCEI_STAR_RATING"/>
+            <p:cNvSpPr/>
+            <p:nvPr/>
+          </p:nvSpPr>
+          <p:spPr>
+            <a:xfrm>
+              <a:off x="10570959" y="1661162"/>
+              <a:ext cx="411478" cy="411479"/>
+            </a:xfrm>
+            <a:prstGeom prst="star5">
+              <a:avLst/>
+            </a:prstGeom>
+            <a:solidFill>
+              <a:srgbClr val="FFFFFF"/>
+            </a:solidFill>
+            <a:ln w="3175">
+              <a:solidFill>
+                <a:srgbClr val="7F7F7F"/>
+              </a:solidFill>
+            </a:ln>
+          </p:spPr>
+          <p:style>
+            <a:lnRef idx="2">
+              <a:schemeClr val="accent1">
+                <a:shade val="50000"/>
+              </a:schemeClr>
+            </a:lnRef>
+            <a:fillRef idx="1">
+              <a:schemeClr val="accent1"/>
+            </a:fillRef>
+            <a:effectRef idx="0">
+              <a:schemeClr val="accent1"/>
+            </a:effectRef>
+            <a:fontRef idx="minor">
+              <a:schemeClr val="lt1"/>
+            </a:fontRef>
+          </p:style>
+          <p:txBody>
+            <a:bodyPr rtlCol="0" anchor="ctr"/>
+            <a:lstStyle/>
+            <a:p>
+              <a:pPr algn="ctr"/>
+              <a:endParaRPr lang="en-US"/>
+            </a:p>
+          </p:txBody>
+        </p:sp>
+        <p:sp>
+          <p:nvSpPr>
+            <p:cNvPr id="96" name="NCEI_STAR_RATING"/>
+            <p:cNvSpPr/>
+            <p:nvPr/>
+          </p:nvSpPr>
+          <p:spPr>
+            <a:xfrm>
+              <a:off x="11519226" y="1661162"/>
+              <a:ext cx="411478" cy="411479"/>
+            </a:xfrm>
+            <a:prstGeom prst="star5">
+              <a:avLst/>
+            </a:prstGeom>
+            <a:solidFill>
+              <a:srgbClr val="FFFFFF"/>
+            </a:solidFill>
+            <a:ln w="3175">
+              <a:solidFill>
+                <a:srgbClr val="7F7F7F"/>
+              </a:solidFill>
+            </a:ln>
+          </p:spPr>
+          <p:style>
+            <a:lnRef idx="2">
+              <a:schemeClr val="accent1">
+                <a:shade val="50000"/>
+              </a:schemeClr>
+            </a:lnRef>
+            <a:fillRef idx="1">
+              <a:schemeClr val="accent1"/>
+            </a:fillRef>
+            <a:effectRef idx="0">
+              <a:schemeClr val="accent1"/>
+            </a:effectRef>
+            <a:fontRef idx="minor">
+              <a:schemeClr val="lt1"/>
+            </a:fontRef>
+          </p:style>
+          <p:txBody>
+            <a:bodyPr rtlCol="0" anchor="ctr"/>
+            <a:lstStyle/>
+            <a:p>
+              <a:pPr algn="ctr"/>
+              <a:endParaRPr lang="en-US"/>
+            </a:p>
+          </p:txBody>
+        </p:sp>
+      </p:grpSp>
+      <p:grpSp>
+        <p:nvGrpSpPr>
+          <p:cNvPr id="97" name="Group 96"/>
+          <p:cNvGrpSpPr/>
           <p:nvPr/>
-        </p:nvSpPr>
-        <p:spPr>
+        </p:nvGrpSpPr>
+        <p:grpSpPr>
           <a:xfrm>
-            <a:off x="7772401" y="5623560"/>
-            <a:ext cx="411480" cy="411480"/>
+            <a:off x="7848600" y="6446521"/>
+            <a:ext cx="4158303" cy="411479"/>
+            <a:chOff x="7772401" y="1661162"/>
+            <a:chExt cx="4158303" cy="411479"/>
           </a:xfrm>
-          <a:prstGeom prst="star5">
-            <a:avLst/>
-          </a:prstGeom>
-          <a:solidFill>
-            <a:srgbClr val="7F7F7F"/>
-          </a:solidFill>
-          <a:ln w="3175">
+        </p:grpSpPr>
+        <p:sp>
+          <p:nvSpPr>
+            <p:cNvPr id="98" name="NCEI_STAR_RATING"/>
+            <p:cNvSpPr/>
+            <p:nvPr/>
+          </p:nvSpPr>
+          <p:spPr>
+            <a:xfrm>
+              <a:off x="7772401" y="1661162"/>
+              <a:ext cx="411478" cy="411479"/>
+            </a:xfrm>
+            <a:prstGeom prst="star5">
+              <a:avLst/>
+            </a:prstGeom>
             <a:solidFill>
-              <a:srgbClr val="7F7F7F"/>
+              <a:srgbClr val="FFFFFF"/>
             </a:solidFill>
-          </a:ln>
-        </p:spPr>
-        <p:style>
-          <a:lnRef idx="2">
-            <a:schemeClr val="accent1">
-              <a:shade val="50000"/>
-            </a:schemeClr>
-          </a:lnRef>
-          <a:fillRef idx="1">
-            <a:schemeClr val="accent1"/>
-          </a:fillRef>
-          <a:effectRef idx="0">
-            <a:schemeClr val="accent1"/>
-          </a:effectRef>
-          <a:fontRef idx="minor">
-            <a:schemeClr val="lt1"/>
-          </a:fontRef>
-        </p:style>
-        <p:txBody>
-          <a:bodyPr rtlCol="0" anchor="ctr"/>
-          <a:lstStyle/>
-          <a:p>
-            <a:pPr algn="ctr"/>
-            <a:endParaRPr lang="en-US"/>
-          </a:p>
-        </p:txBody>
-      </p:sp>
-      <p:sp>
-        <p:nvSpPr>
-          <p:cNvPr id="253" name="NCEI_STAR_RATING"/>
-          <p:cNvSpPr/>
+            <a:ln w="3175">
+              <a:solidFill>
+                <a:srgbClr val="7F7F7F"/>
+              </a:solidFill>
+            </a:ln>
+          </p:spPr>
+          <p:style>
+            <a:lnRef idx="2">
+              <a:schemeClr val="accent1">
+                <a:shade val="50000"/>
+              </a:schemeClr>
+            </a:lnRef>
+            <a:fillRef idx="1">
+              <a:schemeClr val="accent1"/>
+            </a:fillRef>
+            <a:effectRef idx="0">
+              <a:schemeClr val="accent1"/>
+            </a:effectRef>
+            <a:fontRef idx="minor">
+              <a:schemeClr val="lt1"/>
+            </a:fontRef>
+          </p:style>
+          <p:txBody>
+            <a:bodyPr rtlCol="0" anchor="ctr"/>
+            <a:lstStyle/>
+            <a:p>
+              <a:pPr algn="ctr"/>
+              <a:endParaRPr lang="en-US"/>
+            </a:p>
+          </p:txBody>
+        </p:sp>
+        <p:sp>
+          <p:nvSpPr>
+            <p:cNvPr id="99" name="NCEI_STAR_RATING"/>
+            <p:cNvSpPr/>
+            <p:nvPr/>
+          </p:nvSpPr>
+          <p:spPr>
+            <a:xfrm>
+              <a:off x="8747369" y="1661162"/>
+              <a:ext cx="411478" cy="411479"/>
+            </a:xfrm>
+            <a:prstGeom prst="star5">
+              <a:avLst/>
+            </a:prstGeom>
+            <a:solidFill>
+              <a:srgbClr val="FFFFFF"/>
+            </a:solidFill>
+            <a:ln w="3175">
+              <a:solidFill>
+                <a:srgbClr val="7F7F7F"/>
+              </a:solidFill>
+            </a:ln>
+          </p:spPr>
+          <p:style>
+            <a:lnRef idx="2">
+              <a:schemeClr val="accent1">
+                <a:shade val="50000"/>
+              </a:schemeClr>
+            </a:lnRef>
+            <a:fillRef idx="1">
+              <a:schemeClr val="accent1"/>
+            </a:fillRef>
+            <a:effectRef idx="0">
+              <a:schemeClr val="accent1"/>
+            </a:effectRef>
+            <a:fontRef idx="minor">
+              <a:schemeClr val="lt1"/>
+            </a:fontRef>
+          </p:style>
+          <p:txBody>
+            <a:bodyPr rtlCol="0" anchor="ctr"/>
+            <a:lstStyle/>
+            <a:p>
+              <a:pPr algn="ctr"/>
+              <a:endParaRPr lang="en-US"/>
+            </a:p>
+          </p:txBody>
+        </p:sp>
+        <p:sp>
+          <p:nvSpPr>
+            <p:cNvPr id="100" name="NCEI_STAR_RATING"/>
+            <p:cNvSpPr/>
+            <p:nvPr/>
+          </p:nvSpPr>
+          <p:spPr>
+            <a:xfrm>
+              <a:off x="9622692" y="1661162"/>
+              <a:ext cx="411478" cy="411479"/>
+            </a:xfrm>
+            <a:prstGeom prst="star5">
+              <a:avLst/>
+            </a:prstGeom>
+            <a:solidFill>
+              <a:srgbClr val="FFFFFF"/>
+            </a:solidFill>
+            <a:ln w="3175">
+              <a:solidFill>
+                <a:srgbClr val="7F7F7F"/>
+              </a:solidFill>
+            </a:ln>
+          </p:spPr>
+          <p:style>
+            <a:lnRef idx="2">
+              <a:schemeClr val="accent1">
+                <a:shade val="50000"/>
+              </a:schemeClr>
+            </a:lnRef>
+            <a:fillRef idx="1">
+              <a:schemeClr val="accent1"/>
+            </a:fillRef>
+            <a:effectRef idx="0">
+              <a:schemeClr val="accent1"/>
+            </a:effectRef>
+            <a:fontRef idx="minor">
+              <a:schemeClr val="lt1"/>
+            </a:fontRef>
+          </p:style>
+          <p:txBody>
+            <a:bodyPr rtlCol="0" anchor="ctr"/>
+            <a:lstStyle/>
+            <a:p>
+              <a:pPr algn="ctr"/>
+              <a:endParaRPr lang="en-US"/>
+            </a:p>
+          </p:txBody>
+        </p:sp>
+        <p:sp>
+          <p:nvSpPr>
+            <p:cNvPr id="101" name="NCEI_STAR_RATING"/>
+            <p:cNvSpPr/>
+            <p:nvPr/>
+          </p:nvSpPr>
+          <p:spPr>
+            <a:xfrm>
+              <a:off x="10570959" y="1661162"/>
+              <a:ext cx="411478" cy="411479"/>
+            </a:xfrm>
+            <a:prstGeom prst="star5">
+              <a:avLst/>
+            </a:prstGeom>
+            <a:solidFill>
+              <a:srgbClr val="FFFFFF"/>
+            </a:solidFill>
+            <a:ln w="3175">
+              <a:solidFill>
+                <a:srgbClr val="7F7F7F"/>
+              </a:solidFill>
+            </a:ln>
+          </p:spPr>
+          <p:style>
+            <a:lnRef idx="2">
+              <a:schemeClr val="accent1">
+                <a:shade val="50000"/>
+              </a:schemeClr>
+            </a:lnRef>
+            <a:fillRef idx="1">
+              <a:schemeClr val="accent1"/>
+            </a:fillRef>
+            <a:effectRef idx="0">
+              <a:schemeClr val="accent1"/>
+            </a:effectRef>
+            <a:fontRef idx="minor">
+              <a:schemeClr val="lt1"/>
+            </a:fontRef>
+          </p:style>
+          <p:txBody>
+            <a:bodyPr rtlCol="0" anchor="ctr"/>
+            <a:lstStyle/>
+            <a:p>
+              <a:pPr algn="ctr"/>
+              <a:endParaRPr lang="en-US"/>
+            </a:p>
+          </p:txBody>
+        </p:sp>
+        <p:sp>
+          <p:nvSpPr>
+            <p:cNvPr id="102" name="NCEI_STAR_RATING"/>
+            <p:cNvSpPr/>
+            <p:nvPr/>
+          </p:nvSpPr>
+          <p:spPr>
+            <a:xfrm>
+              <a:off x="11519226" y="1661162"/>
+              <a:ext cx="411478" cy="411479"/>
+            </a:xfrm>
+            <a:prstGeom prst="star5">
+              <a:avLst/>
+            </a:prstGeom>
+            <a:solidFill>
+              <a:srgbClr val="FFFFFF"/>
+            </a:solidFill>
+            <a:ln w="3175">
+              <a:solidFill>
+                <a:srgbClr val="7F7F7F"/>
+              </a:solidFill>
+            </a:ln>
+          </p:spPr>
+          <p:style>
+            <a:lnRef idx="2">
+              <a:schemeClr val="accent1">
+                <a:shade val="50000"/>
+              </a:schemeClr>
+            </a:lnRef>
+            <a:fillRef idx="1">
+              <a:schemeClr val="accent1"/>
+            </a:fillRef>
+            <a:effectRef idx="0">
+              <a:schemeClr val="accent1"/>
+            </a:effectRef>
+            <a:fontRef idx="minor">
+              <a:schemeClr val="lt1"/>
+            </a:fontRef>
+          </p:style>
+          <p:txBody>
+            <a:bodyPr rtlCol="0" anchor="ctr"/>
+            <a:lstStyle/>
+            <a:p>
+              <a:pPr algn="ctr"/>
+              <a:endParaRPr lang="en-US"/>
+            </a:p>
+          </p:txBody>
+        </p:sp>
+      </p:grpSp>
+      <p:grpSp>
+        <p:nvGrpSpPr>
+          <p:cNvPr id="103" name="Group 102"/>
+          <p:cNvGrpSpPr/>
           <p:nvPr/>
-        </p:nvSpPr>
-        <p:spPr>
+        </p:nvGrpSpPr>
+        <p:grpSpPr>
           <a:xfrm>
-            <a:off x="8747369" y="5623560"/>
-            <a:ext cx="411480" cy="411480"/>
+            <a:off x="7848600" y="7056121"/>
+            <a:ext cx="4158303" cy="411479"/>
+            <a:chOff x="7772401" y="1661162"/>
+            <a:chExt cx="4158303" cy="411479"/>
           </a:xfrm>
-          <a:prstGeom prst="star5">
-            <a:avLst/>
-          </a:prstGeom>
-          <a:solidFill>
-            <a:srgbClr val="7F7F7F"/>
-          </a:solidFill>
-          <a:ln w="3175">
+        </p:grpSpPr>
+        <p:sp>
+          <p:nvSpPr>
+            <p:cNvPr id="104" name="NCEI_STAR_RATING"/>
+            <p:cNvSpPr/>
+            <p:nvPr/>
+          </p:nvSpPr>
+          <p:spPr>
+            <a:xfrm>
+              <a:off x="7772401" y="1661162"/>
+              <a:ext cx="411478" cy="411479"/>
+            </a:xfrm>
+            <a:prstGeom prst="star5">
+              <a:avLst/>
+            </a:prstGeom>
             <a:solidFill>
-              <a:srgbClr val="7F7F7F"/>
+              <a:srgbClr val="FFFFFF"/>
             </a:solidFill>
-          </a:ln>
-        </p:spPr>
-        <p:style>
-          <a:lnRef idx="2">
-            <a:schemeClr val="accent1">
-              <a:shade val="50000"/>
-            </a:schemeClr>
-          </a:lnRef>
-          <a:fillRef idx="1">
-            <a:schemeClr val="accent1"/>
-          </a:fillRef>
-          <a:effectRef idx="0">
-            <a:schemeClr val="accent1"/>
-          </a:effectRef>
-          <a:fontRef idx="minor">
-            <a:schemeClr val="lt1"/>
-          </a:fontRef>
-        </p:style>
-        <p:txBody>
-          <a:bodyPr rtlCol="0" anchor="ctr"/>
-          <a:lstStyle/>
-          <a:p>
-            <a:pPr algn="ctr"/>
-            <a:endParaRPr lang="en-US"/>
-          </a:p>
-        </p:txBody>
-      </p:sp>
-      <p:sp>
-        <p:nvSpPr>
-          <p:cNvPr id="254" name="NCEI_STAR_RATING"/>
-          <p:cNvSpPr/>
-          <p:nvPr/>
-        </p:nvSpPr>
-        <p:spPr>
-          <a:xfrm>
-            <a:off x="9622692" y="5623560"/>
-            <a:ext cx="411480" cy="411480"/>
-          </a:xfrm>
-          <a:prstGeom prst="star5">
-            <a:avLst/>
-          </a:prstGeom>
-          <a:solidFill>
-            <a:srgbClr val="BFBFBF"/>
-          </a:solidFill>
-          <a:ln w="3175">
+            <a:ln w="3175">
+              <a:solidFill>
+                <a:srgbClr val="7F7F7F"/>
+              </a:solidFill>
+            </a:ln>
+          </p:spPr>
+          <p:style>
+            <a:lnRef idx="2">
+              <a:schemeClr val="accent1">
+                <a:shade val="50000"/>
+              </a:schemeClr>
+            </a:lnRef>
+            <a:fillRef idx="1">
+              <a:schemeClr val="accent1"/>
+            </a:fillRef>
+            <a:effectRef idx="0">
+              <a:schemeClr val="accent1"/>
+            </a:effectRef>
+            <a:fontRef idx="minor">
+              <a:schemeClr val="lt1"/>
+            </a:fontRef>
+          </p:style>
+          <p:txBody>
+            <a:bodyPr rtlCol="0" anchor="ctr"/>
+            <a:lstStyle/>
+            <a:p>
+              <a:pPr algn="ctr"/>
+              <a:endParaRPr lang="en-US"/>
+            </a:p>
+          </p:txBody>
+        </p:sp>
+        <p:sp>
+          <p:nvSpPr>
+            <p:cNvPr id="105" name="NCEI_STAR_RATING"/>
+            <p:cNvSpPr/>
+            <p:nvPr/>
+          </p:nvSpPr>
+          <p:spPr>
+            <a:xfrm>
+              <a:off x="8747369" y="1661162"/>
+              <a:ext cx="411478" cy="411479"/>
+            </a:xfrm>
+            <a:prstGeom prst="star5">
+              <a:avLst/>
+            </a:prstGeom>
             <a:solidFill>
-              <a:srgbClr val="BFBFBF"/>
+              <a:srgbClr val="FFFFFF"/>
             </a:solidFill>
-          </a:ln>
-        </p:spPr>
-        <p:style>
-          <a:lnRef idx="2">
-            <a:schemeClr val="accent1">
-              <a:shade val="50000"/>
-            </a:schemeClr>
-          </a:lnRef>
-          <a:fillRef idx="1">
-            <a:schemeClr val="accent1"/>
-          </a:fillRef>
-          <a:effectRef idx="0">
-            <a:schemeClr val="accent1"/>
-          </a:effectRef>
-          <a:fontRef idx="minor">
-            <a:schemeClr val="lt1"/>
-          </a:fontRef>
-        </p:style>
-        <p:txBody>
-          <a:bodyPr rtlCol="0" anchor="ctr"/>
-          <a:lstStyle/>
-          <a:p>
-            <a:pPr algn="ctr"/>
-            <a:endParaRPr lang="en-US"/>
-          </a:p>
-        </p:txBody>
-      </p:sp>
-      <p:sp>
-        <p:nvSpPr>
-          <p:cNvPr id="255" name="NCEI_STAR_RATING"/>
-          <p:cNvSpPr/>
-          <p:nvPr/>
-        </p:nvSpPr>
-        <p:spPr>
-          <a:xfrm>
-            <a:off x="10570959" y="5623560"/>
-            <a:ext cx="411480" cy="411480"/>
-          </a:xfrm>
-          <a:prstGeom prst="star5">
-            <a:avLst/>
-          </a:prstGeom>
-          <a:solidFill>
-            <a:srgbClr val="FFFFFF"/>
-          </a:solidFill>
-          <a:ln w="3175">
+            <a:ln w="3175">
+              <a:solidFill>
+                <a:srgbClr val="7F7F7F"/>
+              </a:solidFill>
+            </a:ln>
+          </p:spPr>
+          <p:style>
+            <a:lnRef idx="2">
+              <a:schemeClr val="accent1">
+                <a:shade val="50000"/>
+              </a:schemeClr>
+            </a:lnRef>
+            <a:fillRef idx="1">
+              <a:schemeClr val="accent1"/>
+            </a:fillRef>
+            <a:effectRef idx="0">
+              <a:schemeClr val="accent1"/>
+            </a:effectRef>
+            <a:fontRef idx="minor">
+              <a:schemeClr val="lt1"/>
+            </a:fontRef>
+          </p:style>
+          <p:txBody>
+            <a:bodyPr rtlCol="0" anchor="ctr"/>
+            <a:lstStyle/>
+            <a:p>
+              <a:pPr algn="ctr"/>
+              <a:endParaRPr lang="en-US"/>
+            </a:p>
+          </p:txBody>
+        </p:sp>
+        <p:sp>
+          <p:nvSpPr>
+            <p:cNvPr id="106" name="NCEI_STAR_RATING"/>
+            <p:cNvSpPr/>
+            <p:nvPr/>
+          </p:nvSpPr>
+          <p:spPr>
+            <a:xfrm>
+              <a:off x="9622692" y="1661162"/>
+              <a:ext cx="411478" cy="411479"/>
+            </a:xfrm>
+            <a:prstGeom prst="star5">
+              <a:avLst/>
+            </a:prstGeom>
             <a:solidFill>
-              <a:srgbClr val="7F7F7F"/>
+              <a:srgbClr val="FFFFFF"/>
             </a:solidFill>
-          </a:ln>
-        </p:spPr>
-        <p:style>
-          <a:lnRef idx="2">
-            <a:schemeClr val="accent1">
-              <a:shade val="50000"/>
-            </a:schemeClr>
-          </a:lnRef>
-          <a:fillRef idx="1">
-            <a:schemeClr val="accent1"/>
-          </a:fillRef>
-          <a:effectRef idx="0">
-            <a:schemeClr val="accent1"/>
-          </a:effectRef>
-          <a:fontRef idx="minor">
-            <a:schemeClr val="lt1"/>
-          </a:fontRef>
-        </p:style>
-        <p:txBody>
-          <a:bodyPr rtlCol="0" anchor="ctr"/>
-          <a:lstStyle/>
-          <a:p>
-            <a:pPr algn="ctr"/>
-            <a:endParaRPr lang="en-US"/>
-          </a:p>
-        </p:txBody>
-      </p:sp>
-      <p:sp>
-        <p:nvSpPr>
-          <p:cNvPr id="32" name="NCEI_STAR_RATING"/>
-          <p:cNvSpPr/>
-          <p:nvPr/>
-        </p:nvSpPr>
-        <p:spPr>
-          <a:xfrm>
-            <a:off x="11519226" y="5623560"/>
-            <a:ext cx="411481" cy="411480"/>
-          </a:xfrm>
-          <a:prstGeom prst="star5">
-            <a:avLst/>
-          </a:prstGeom>
-          <a:solidFill>
-            <a:srgbClr val="FFFFFF"/>
-          </a:solidFill>
-          <a:ln w="3175">
+            <a:ln w="3175">
+              <a:solidFill>
+                <a:srgbClr val="7F7F7F"/>
+              </a:solidFill>
+            </a:ln>
+          </p:spPr>
+          <p:style>
+            <a:lnRef idx="2">
+              <a:schemeClr val="accent1">
+                <a:shade val="50000"/>
+              </a:schemeClr>
+            </a:lnRef>
+            <a:fillRef idx="1">
+              <a:schemeClr val="accent1"/>
+            </a:fillRef>
+            <a:effectRef idx="0">
+              <a:schemeClr val="accent1"/>
+            </a:effectRef>
+            <a:fontRef idx="minor">
+              <a:schemeClr val="lt1"/>
+            </a:fontRef>
+          </p:style>
+          <p:txBody>
+            <a:bodyPr rtlCol="0" anchor="ctr"/>
+            <a:lstStyle/>
+            <a:p>
+              <a:pPr algn="ctr"/>
+              <a:endParaRPr lang="en-US"/>
+            </a:p>
+          </p:txBody>
+        </p:sp>
+        <p:sp>
+          <p:nvSpPr>
+            <p:cNvPr id="107" name="NCEI_STAR_RATING"/>
+            <p:cNvSpPr/>
+            <p:nvPr/>
+          </p:nvSpPr>
+          <p:spPr>
+            <a:xfrm>
+              <a:off x="10570959" y="1661162"/>
+              <a:ext cx="411478" cy="411479"/>
+            </a:xfrm>
+            <a:prstGeom prst="star5">
+              <a:avLst/>
+            </a:prstGeom>
             <a:solidFill>
-              <a:srgbClr val="7F7F7F"/>
+              <a:srgbClr val="FFFFFF"/>
             </a:solidFill>
-          </a:ln>
-        </p:spPr>
-        <p:style>
-          <a:lnRef idx="2">
-            <a:schemeClr val="accent1">
-              <a:shade val="50000"/>
-            </a:schemeClr>
-          </a:lnRef>
-          <a:fillRef idx="1">
-            <a:schemeClr val="accent1"/>
-          </a:fillRef>
-          <a:effectRef idx="0">
-            <a:schemeClr val="accent1"/>
-          </a:effectRef>
-          <a:fontRef idx="minor">
-            <a:schemeClr val="lt1"/>
-          </a:fontRef>
-        </p:style>
-        <p:txBody>
-          <a:bodyPr rtlCol="0" anchor="ctr"/>
-          <a:lstStyle/>
-          <a:p>
-            <a:pPr algn="ctr"/>
-            <a:endParaRPr lang="en-US"/>
-          </a:p>
-        </p:txBody>
-      </p:sp>
-      <p:sp>
-        <p:nvSpPr>
-          <p:cNvPr id="33" name="NCEI_STAR_RATING"/>
-          <p:cNvSpPr/>
-          <p:nvPr/>
-        </p:nvSpPr>
-        <p:spPr>
-          <a:xfrm>
-            <a:off x="7772401" y="6294120"/>
-            <a:ext cx="365760" cy="365760"/>
-          </a:xfrm>
-          <a:prstGeom prst="star5">
-            <a:avLst/>
-          </a:prstGeom>
-          <a:solidFill>
-            <a:srgbClr val="7F7F7F"/>
-          </a:solidFill>
-          <a:ln w="3175">
+            <a:ln w="3175">
+              <a:solidFill>
+                <a:srgbClr val="7F7F7F"/>
+              </a:solidFill>
+            </a:ln>
+          </p:spPr>
+          <p:style>
+            <a:lnRef idx="2">
+              <a:schemeClr val="accent1">
+                <a:shade val="50000"/>
+              </a:schemeClr>
+            </a:lnRef>
+            <a:fillRef idx="1">
+              <a:schemeClr val="accent1"/>
+            </a:fillRef>
+            <a:effectRef idx="0">
+              <a:schemeClr val="accent1"/>
+            </a:effectRef>
+            <a:fontRef idx="minor">
+              <a:schemeClr val="lt1"/>
+            </a:fontRef>
+          </p:style>
+          <p:txBody>
+            <a:bodyPr rtlCol="0" anchor="ctr"/>
+            <a:lstStyle/>
+            <a:p>
+              <a:pPr algn="ctr"/>
+              <a:endParaRPr lang="en-US"/>
+            </a:p>
+          </p:txBody>
+        </p:sp>
+        <p:sp>
+          <p:nvSpPr>
+            <p:cNvPr id="108" name="NCEI_STAR_RATING"/>
+            <p:cNvSpPr/>
+            <p:nvPr/>
+          </p:nvSpPr>
+          <p:spPr>
+            <a:xfrm>
+              <a:off x="11519226" y="1661162"/>
+              <a:ext cx="411478" cy="411479"/>
+            </a:xfrm>
+            <a:prstGeom prst="star5">
+              <a:avLst/>
+            </a:prstGeom>
             <a:solidFill>
-              <a:srgbClr val="7F7F7F"/>
+              <a:srgbClr val="FFFFFF"/>
             </a:solidFill>
-          </a:ln>
-        </p:spPr>
-        <p:style>
-          <a:lnRef idx="2">
-            <a:schemeClr val="accent1">
-              <a:shade val="50000"/>
-            </a:schemeClr>
-          </a:lnRef>
-          <a:fillRef idx="1">
-            <a:schemeClr val="accent1"/>
-          </a:fillRef>
-          <a:effectRef idx="0">
-            <a:schemeClr val="accent1"/>
-          </a:effectRef>
-          <a:fontRef idx="minor">
-            <a:schemeClr val="lt1"/>
-          </a:fontRef>
-        </p:style>
-        <p:txBody>
-          <a:bodyPr rtlCol="0" anchor="ctr"/>
-          <a:lstStyle/>
-          <a:p>
-            <a:pPr algn="ctr"/>
-            <a:endParaRPr lang="en-US"/>
-          </a:p>
-        </p:txBody>
-      </p:sp>
-      <p:sp>
-        <p:nvSpPr>
-          <p:cNvPr id="34" name="NCEI_STAR_RATING"/>
-          <p:cNvSpPr/>
-          <p:nvPr/>
-        </p:nvSpPr>
-        <p:spPr>
-          <a:xfrm>
-            <a:off x="8747369" y="6294120"/>
-            <a:ext cx="365760" cy="365760"/>
-          </a:xfrm>
-          <a:prstGeom prst="star5">
-            <a:avLst/>
-          </a:prstGeom>
-          <a:solidFill>
-            <a:srgbClr val="7F7F7F"/>
-          </a:solidFill>
-          <a:ln w="3175">
-            <a:solidFill>
-              <a:srgbClr val="7F7F7F"/>
-            </a:solidFill>
-          </a:ln>
-        </p:spPr>
-        <p:style>
-          <a:lnRef idx="2">
-            <a:schemeClr val="accent1">
-              <a:shade val="50000"/>
-            </a:schemeClr>
-          </a:lnRef>
-          <a:fillRef idx="1">
-            <a:schemeClr val="accent1"/>
-          </a:fillRef>
-          <a:effectRef idx="0">
-            <a:schemeClr val="accent1"/>
-          </a:effectRef>
-          <a:fontRef idx="minor">
-            <a:schemeClr val="lt1"/>
-          </a:fontRef>
-        </p:style>
-        <p:txBody>
-          <a:bodyPr rtlCol="0" anchor="ctr"/>
-          <a:lstStyle/>
-          <a:p>
-            <a:pPr algn="ctr"/>
-            <a:endParaRPr lang="en-US"/>
-          </a:p>
-        </p:txBody>
-      </p:sp>
-      <p:sp>
-        <p:nvSpPr>
-          <p:cNvPr id="35" name="NCEI_STAR_RATING"/>
-          <p:cNvSpPr/>
-          <p:nvPr/>
-        </p:nvSpPr>
-        <p:spPr>
-          <a:xfrm>
-            <a:off x="9622692" y="6294120"/>
-            <a:ext cx="365760" cy="365760"/>
-          </a:xfrm>
-          <a:prstGeom prst="star5">
-            <a:avLst/>
-          </a:prstGeom>
-          <a:solidFill>
-            <a:srgbClr val="FFFFFF"/>
-          </a:solidFill>
-          <a:ln w="3175">
-            <a:solidFill>
-              <a:srgbClr val="7F7F7F"/>
-            </a:solidFill>
-          </a:ln>
-        </p:spPr>
-        <p:style>
-          <a:lnRef idx="2">
-            <a:schemeClr val="accent1">
-              <a:shade val="50000"/>
-            </a:schemeClr>
-          </a:lnRef>
-          <a:fillRef idx="1">
-            <a:schemeClr val="accent1"/>
-          </a:fillRef>
-          <a:effectRef idx="0">
-            <a:schemeClr val="accent1"/>
-          </a:effectRef>
-          <a:fontRef idx="minor">
-            <a:schemeClr val="lt1"/>
-          </a:fontRef>
-        </p:style>
-        <p:txBody>
-          <a:bodyPr rtlCol="0" anchor="ctr"/>
-          <a:lstStyle/>
-          <a:p>
-            <a:pPr algn="ctr"/>
-            <a:endParaRPr lang="en-US"/>
-          </a:p>
-        </p:txBody>
-      </p:sp>
-      <p:sp>
-        <p:nvSpPr>
-          <p:cNvPr id="36" name="NCEI_STAR_RATING"/>
-          <p:cNvSpPr/>
-          <p:nvPr/>
-        </p:nvSpPr>
-        <p:spPr>
-          <a:xfrm>
-            <a:off x="10570959" y="6294120"/>
-            <a:ext cx="365759" cy="365760"/>
-          </a:xfrm>
-          <a:prstGeom prst="star5">
-            <a:avLst/>
-          </a:prstGeom>
-          <a:solidFill>
-            <a:srgbClr val="FFFFFF"/>
-          </a:solidFill>
-          <a:ln w="3175">
-            <a:solidFill>
-              <a:srgbClr val="7F7F7F"/>
-            </a:solidFill>
-          </a:ln>
-        </p:spPr>
-        <p:style>
-          <a:lnRef idx="2">
-            <a:schemeClr val="accent1">
-              <a:shade val="50000"/>
-            </a:schemeClr>
-          </a:lnRef>
-          <a:fillRef idx="1">
-            <a:schemeClr val="accent1"/>
-          </a:fillRef>
-          <a:effectRef idx="0">
-            <a:schemeClr val="accent1"/>
-          </a:effectRef>
-          <a:fontRef idx="minor">
-            <a:schemeClr val="lt1"/>
-          </a:fontRef>
-        </p:style>
-        <p:txBody>
-          <a:bodyPr rtlCol="0" anchor="ctr"/>
-          <a:lstStyle/>
-          <a:p>
-            <a:pPr algn="ctr"/>
-            <a:endParaRPr lang="en-US"/>
-          </a:p>
-        </p:txBody>
-      </p:sp>
-      <p:sp>
-        <p:nvSpPr>
-          <p:cNvPr id="37" name="NCEI_STAR_RATING"/>
-          <p:cNvSpPr/>
-          <p:nvPr/>
-        </p:nvSpPr>
-        <p:spPr>
-          <a:xfrm>
-            <a:off x="11519226" y="6294120"/>
-            <a:ext cx="365760" cy="365760"/>
-          </a:xfrm>
-          <a:prstGeom prst="star5">
-            <a:avLst/>
-          </a:prstGeom>
-          <a:solidFill>
-            <a:srgbClr val="FFFFFF"/>
-          </a:solidFill>
-          <a:ln w="3175">
-            <a:solidFill>
-              <a:srgbClr val="7F7F7F"/>
-            </a:solidFill>
-          </a:ln>
-        </p:spPr>
-        <p:style>
-          <a:lnRef idx="2">
-            <a:schemeClr val="accent1">
-              <a:shade val="50000"/>
-            </a:schemeClr>
-          </a:lnRef>
-          <a:fillRef idx="1">
-            <a:schemeClr val="accent1"/>
-          </a:fillRef>
-          <a:effectRef idx="0">
-            <a:schemeClr val="accent1"/>
-          </a:effectRef>
-          <a:fontRef idx="minor">
-            <a:schemeClr val="lt1"/>
-          </a:fontRef>
-        </p:style>
-        <p:txBody>
-          <a:bodyPr rtlCol="0" anchor="ctr"/>
-          <a:lstStyle/>
-          <a:p>
-            <a:pPr algn="ctr"/>
-            <a:endParaRPr lang="en-US"/>
-          </a:p>
-        </p:txBody>
-      </p:sp>
-      <p:sp>
-        <p:nvSpPr>
-          <p:cNvPr id="38" name="NCEI_STAR_RATING"/>
-          <p:cNvSpPr/>
-          <p:nvPr/>
-        </p:nvSpPr>
-        <p:spPr>
-          <a:xfrm>
-            <a:off x="7772401" y="6903720"/>
-            <a:ext cx="365760" cy="365760"/>
-          </a:xfrm>
-          <a:prstGeom prst="star5">
-            <a:avLst/>
-          </a:prstGeom>
-          <a:solidFill>
-            <a:srgbClr val="7F7F7F"/>
-          </a:solidFill>
-          <a:ln w="3175">
-            <a:solidFill>
-              <a:srgbClr val="7F7F7F"/>
-            </a:solidFill>
-          </a:ln>
-        </p:spPr>
-        <p:style>
-          <a:lnRef idx="2">
-            <a:schemeClr val="accent1">
-              <a:shade val="50000"/>
-            </a:schemeClr>
-          </a:lnRef>
-          <a:fillRef idx="1">
-            <a:schemeClr val="accent1"/>
-          </a:fillRef>
-          <a:effectRef idx="0">
-            <a:schemeClr val="accent1"/>
-          </a:effectRef>
-          <a:fontRef idx="minor">
-            <a:schemeClr val="lt1"/>
-          </a:fontRef>
-        </p:style>
-        <p:txBody>
-          <a:bodyPr rtlCol="0" anchor="ctr"/>
-          <a:lstStyle/>
-          <a:p>
-            <a:pPr algn="ctr"/>
-            <a:endParaRPr lang="en-US"/>
-          </a:p>
-        </p:txBody>
-      </p:sp>
-      <p:sp>
-        <p:nvSpPr>
-          <p:cNvPr id="39" name="NCEI_STAR_RATING"/>
-          <p:cNvSpPr/>
-          <p:nvPr/>
-        </p:nvSpPr>
-        <p:spPr>
-          <a:xfrm>
-            <a:off x="8747369" y="6903720"/>
-            <a:ext cx="365760" cy="365760"/>
-          </a:xfrm>
-          <a:prstGeom prst="star5">
-            <a:avLst/>
-          </a:prstGeom>
-          <a:solidFill>
-            <a:srgbClr val="7F7F7F"/>
-          </a:solidFill>
-          <a:ln w="3175">
-            <a:solidFill>
-              <a:srgbClr val="7F7F7F"/>
-            </a:solidFill>
-          </a:ln>
-        </p:spPr>
-        <p:style>
-          <a:lnRef idx="2">
-            <a:schemeClr val="accent1">
-              <a:shade val="50000"/>
-            </a:schemeClr>
-          </a:lnRef>
-          <a:fillRef idx="1">
-            <a:schemeClr val="accent1"/>
-          </a:fillRef>
-          <a:effectRef idx="0">
-            <a:schemeClr val="accent1"/>
-          </a:effectRef>
-          <a:fontRef idx="minor">
-            <a:schemeClr val="lt1"/>
-          </a:fontRef>
-        </p:style>
-        <p:txBody>
-          <a:bodyPr rtlCol="0" anchor="ctr"/>
-          <a:lstStyle/>
-          <a:p>
-            <a:pPr algn="ctr"/>
-            <a:endParaRPr lang="en-US"/>
-          </a:p>
-        </p:txBody>
-      </p:sp>
-      <p:sp>
-        <p:nvSpPr>
-          <p:cNvPr id="40" name="NCEI_STAR_RATING"/>
-          <p:cNvSpPr/>
-          <p:nvPr/>
-        </p:nvSpPr>
-        <p:spPr>
-          <a:xfrm>
-            <a:off x="9622692" y="6903720"/>
-            <a:ext cx="365760" cy="365760"/>
-          </a:xfrm>
-          <a:prstGeom prst="star5">
-            <a:avLst/>
-          </a:prstGeom>
-          <a:solidFill>
-            <a:srgbClr val="7F7F7F"/>
-          </a:solidFill>
-          <a:ln w="3175">
-            <a:solidFill>
-              <a:srgbClr val="7F7F7F"/>
-            </a:solidFill>
-          </a:ln>
-        </p:spPr>
-        <p:style>
-          <a:lnRef idx="2">
-            <a:schemeClr val="accent1">
-              <a:shade val="50000"/>
-            </a:schemeClr>
-          </a:lnRef>
-          <a:fillRef idx="1">
-            <a:schemeClr val="accent1"/>
-          </a:fillRef>
-          <a:effectRef idx="0">
-            <a:schemeClr val="accent1"/>
-          </a:effectRef>
-          <a:fontRef idx="minor">
-            <a:schemeClr val="lt1"/>
-          </a:fontRef>
-        </p:style>
-        <p:txBody>
-          <a:bodyPr rtlCol="0" anchor="ctr"/>
-          <a:lstStyle/>
-          <a:p>
-            <a:pPr algn="ctr"/>
-            <a:endParaRPr lang="en-US"/>
-          </a:p>
-        </p:txBody>
-      </p:sp>
-      <p:sp>
-        <p:nvSpPr>
-          <p:cNvPr id="41" name="NCEI_STAR_RATING"/>
-          <p:cNvSpPr/>
-          <p:nvPr/>
-        </p:nvSpPr>
-        <p:spPr>
-          <a:xfrm>
-            <a:off x="10570959" y="6903720"/>
-            <a:ext cx="365759" cy="365760"/>
-          </a:xfrm>
-          <a:prstGeom prst="star5">
-            <a:avLst/>
-          </a:prstGeom>
-          <a:solidFill>
-            <a:srgbClr val="BFBFBF"/>
-          </a:solidFill>
-          <a:ln w="3175">
-            <a:solidFill>
-              <a:srgbClr val="BFBFBF"/>
-            </a:solidFill>
-          </a:ln>
-        </p:spPr>
-        <p:style>
-          <a:lnRef idx="2">
-            <a:schemeClr val="accent1">
-              <a:shade val="50000"/>
-            </a:schemeClr>
-          </a:lnRef>
-          <a:fillRef idx="1">
-            <a:schemeClr val="accent1"/>
-          </a:fillRef>
-          <a:effectRef idx="0">
-            <a:schemeClr val="accent1"/>
-          </a:effectRef>
-          <a:fontRef idx="minor">
-            <a:schemeClr val="lt1"/>
-          </a:fontRef>
-        </p:style>
-        <p:txBody>
-          <a:bodyPr rtlCol="0" anchor="ctr"/>
-          <a:lstStyle/>
-          <a:p>
-            <a:pPr algn="ctr"/>
-            <a:endParaRPr lang="en-US"/>
-          </a:p>
-        </p:txBody>
-      </p:sp>
-      <p:sp>
-        <p:nvSpPr>
-          <p:cNvPr id="42" name="NCEI_STAR_RATING"/>
-          <p:cNvSpPr/>
-          <p:nvPr/>
-        </p:nvSpPr>
-        <p:spPr>
-          <a:xfrm>
-            <a:off x="11519226" y="6903720"/>
-            <a:ext cx="365760" cy="365760"/>
-          </a:xfrm>
-          <a:prstGeom prst="star5">
-            <a:avLst/>
-          </a:prstGeom>
-          <a:solidFill>
-            <a:srgbClr val="FFFFFF"/>
-          </a:solidFill>
-          <a:ln w="3175">
-            <a:solidFill>
-              <a:srgbClr val="7F7F7F"/>
-            </a:solidFill>
-          </a:ln>
-        </p:spPr>
-        <p:style>
-          <a:lnRef idx="2">
-            <a:schemeClr val="accent1">
-              <a:shade val="50000"/>
-            </a:schemeClr>
-          </a:lnRef>
-          <a:fillRef idx="1">
-            <a:schemeClr val="accent1"/>
-          </a:fillRef>
-          <a:effectRef idx="0">
-            <a:schemeClr val="accent1"/>
-          </a:effectRef>
-          <a:fontRef idx="minor">
-            <a:schemeClr val="lt1"/>
-          </a:fontRef>
-        </p:style>
-        <p:txBody>
-          <a:bodyPr rtlCol="0" anchor="ctr"/>
-          <a:lstStyle/>
-          <a:p>
-            <a:pPr algn="ctr"/>
-            <a:endParaRPr lang="en-US"/>
-          </a:p>
-        </p:txBody>
-      </p:sp>
+            <a:ln w="3175">
+              <a:solidFill>
+                <a:srgbClr val="7F7F7F"/>
+              </a:solidFill>
+            </a:ln>
+          </p:spPr>
+          <p:style>
+            <a:lnRef idx="2">
+              <a:schemeClr val="accent1">
+                <a:shade val="50000"/>
+              </a:schemeClr>
+            </a:lnRef>
+            <a:fillRef idx="1">
+              <a:schemeClr val="accent1"/>
+            </a:fillRef>
+            <a:effectRef idx="0">
+              <a:schemeClr val="accent1"/>
+            </a:effectRef>
+            <a:fontRef idx="minor">
+              <a:schemeClr val="lt1"/>
+            </a:fontRef>
+          </p:style>
+          <p:txBody>
+            <a:bodyPr rtlCol="0" anchor="ctr"/>
+            <a:lstStyle/>
+            <a:p>
+              <a:pPr algn="ctr"/>
+              <a:endParaRPr lang="en-US"/>
+            </a:p>
+          </p:txBody>
+        </p:sp>
+      </p:grpSp>
     </p:spTree>
     <p:extLst>
       <p:ext uri="{BB962C8B-B14F-4D97-AF65-F5344CB8AC3E}">
